--- a/Presentation.pptx
+++ b/Presentation.pptx
@@ -5245,6 +5245,17 @@
               <a:rPr lang="en-AU" dirty="0" smtClean="0"/>
               <a:t>…</a:t>
             </a:r>
+          </a:p>
+          <a:p>
+            <a:endParaRPr lang="en-AU" dirty="0"/>
+          </a:p>
+          <a:p>
+            <a:r>
+              <a:rPr lang="en-AU" dirty="0">
+                <a:hlinkClick r:id="rId2"/>
+              </a:rPr>
+              <a:t>https://github.com/robdmoore/TestFixtureDataGenerationPresentation</a:t>
+            </a:r>
             <a:endParaRPr lang="en-AU" dirty="0"/>
           </a:p>
         </p:txBody>
@@ -5620,9 +5631,6 @@
               <a:rPr lang="en-AU" b="1" dirty="0" smtClean="0"/>
               <a:t>Lack of clarity</a:t>
             </a:r>
-          </a:p>
-          <a:p>
-            <a:endParaRPr lang="en-AU" dirty="0"/>
           </a:p>
         </p:txBody>
       </p:sp>
@@ -6701,14 +6709,14 @@
 <file path=customXml/itemProps3.xml><?xml version="1.0" encoding="utf-8"?>
 <ds:datastoreItem xmlns:ds="http://schemas.openxmlformats.org/officeDocument/2006/customXml" ds:itemID="{A1799C11-A99F-41A4-B4EE-4CEC9408E056}">
   <ds:schemaRefs>
+    <ds:schemaRef ds:uri="http://purl.org/dc/dcmitype/"/>
+    <ds:schemaRef ds:uri="http://schemas.microsoft.com/office/2006/documentManagement/types"/>
+    <ds:schemaRef ds:uri="http://schemas.microsoft.com/office/2006/metadata/properties"/>
+    <ds:schemaRef ds:uri="http://www.w3.org/XML/1998/namespace"/>
+    <ds:schemaRef ds:uri="http://schemas.openxmlformats.org/package/2006/metadata/core-properties"/>
     <ds:schemaRef ds:uri="http://purl.org/dc/elements/1.1/"/>
-    <ds:schemaRef ds:uri="http://purl.org/dc/dcmitype/"/>
-    <ds:schemaRef ds:uri="http://schemas.microsoft.com/office/2006/metadata/properties"/>
-    <ds:schemaRef ds:uri="http://schemas.microsoft.com/office/2006/documentManagement/types"/>
-    <ds:schemaRef ds:uri="http://www.w3.org/XML/1998/namespace"/>
+    <ds:schemaRef ds:uri="http://schemas.microsoft.com/office/infopath/2007/PartnerControls"/>
     <ds:schemaRef ds:uri="http://purl.org/dc/terms/"/>
-    <ds:schemaRef ds:uri="http://schemas.microsoft.com/office/infopath/2007/PartnerControls"/>
-    <ds:schemaRef ds:uri="http://schemas.openxmlformats.org/package/2006/metadata/core-properties"/>
   </ds:schemaRefs>
 </ds:datastoreItem>
 </file>
--- a/Presentation.pptx
+++ b/Presentation.pptx
@@ -5,16 +5,18 @@
     <p:sldMasterId id="2147483648" r:id="rId4"/>
   </p:sldMasterIdLst>
   <p:notesMasterIdLst>
-    <p:notesMasterId r:id="rId9"/>
+    <p:notesMasterId r:id="rId11"/>
   </p:notesMasterIdLst>
   <p:handoutMasterIdLst>
-    <p:handoutMasterId r:id="rId10"/>
+    <p:handoutMasterId r:id="rId12"/>
   </p:handoutMasterIdLst>
   <p:sldIdLst>
     <p:sldId id="256" r:id="rId5"/>
     <p:sldId id="257" r:id="rId6"/>
     <p:sldId id="258" r:id="rId7"/>
     <p:sldId id="259" r:id="rId8"/>
+    <p:sldId id="260" r:id="rId9"/>
+    <p:sldId id="261" r:id="rId10"/>
   </p:sldIdLst>
   <p:sldSz cx="12192000" cy="6858000"/>
   <p:notesSz cx="6858000" cy="9144000"/>
@@ -5234,7 +5236,9 @@
         </p:nvSpPr>
         <p:spPr/>
         <p:txBody>
-          <a:bodyPr/>
+          <a:bodyPr>
+            <a:normAutofit lnSpcReduction="10000"/>
+          </a:bodyPr>
           <a:lstStyle/>
           <a:p>
             <a:r>
@@ -5254,7 +5258,22 @@
               <a:rPr lang="en-AU" dirty="0">
                 <a:hlinkClick r:id="rId2"/>
               </a:rPr>
-              <a:t>https://github.com/robdmoore/TestFixtureDataGenerationPresentation</a:t>
+              <a:t>https://</a:t>
+            </a:r>
+            <a:r>
+              <a:rPr lang="en-AU" dirty="0" smtClean="0">
+                <a:hlinkClick r:id="rId2"/>
+              </a:rPr>
+              <a:t>github.com/robdmoore/TestFixtureDataGenerationPresentation</a:t>
+            </a:r>
+            <a:endParaRPr lang="en-AU" dirty="0" smtClean="0"/>
+          </a:p>
+          <a:p>
+            <a:r>
+              <a:rPr lang="en-AU" dirty="0">
+                <a:hlinkClick r:id="rId3"/>
+              </a:rPr>
+              <a:t>http://robdmoore.id.au/blog/2013/05/26</a:t>
             </a:r>
             <a:endParaRPr lang="en-AU" dirty="0"/>
           </a:p>
@@ -5596,39 +5615,67 @@
           <a:lstStyle/>
           <a:p>
             <a:r>
-              <a:rPr lang="en-AU" dirty="0" smtClean="0"/>
+              <a:rPr lang="en-AU" dirty="0" smtClean="0">
+                <a:solidFill>
+                  <a:srgbClr val="C00000"/>
+                </a:solidFill>
+              </a:rPr>
               <a:t>Constructor refactoring is HARD</a:t>
             </a:r>
           </a:p>
           <a:p>
             <a:r>
-              <a:rPr lang="en-AU" dirty="0" smtClean="0"/>
+              <a:rPr lang="en-AU" dirty="0" smtClean="0">
+                <a:solidFill>
+                  <a:srgbClr val="C00000"/>
+                </a:solidFill>
+              </a:rPr>
               <a:t>Inter/intra-fixture repetition and inconsistency</a:t>
             </a:r>
           </a:p>
           <a:p>
             <a:r>
-              <a:rPr lang="en-AU" dirty="0" smtClean="0"/>
+              <a:rPr lang="en-AU" dirty="0" smtClean="0">
+                <a:solidFill>
+                  <a:srgbClr val="C00000"/>
+                </a:solidFill>
+              </a:rPr>
               <a:t>Verbose list building</a:t>
             </a:r>
           </a:p>
           <a:p>
             <a:r>
-              <a:rPr lang="en-AU" dirty="0" smtClean="0"/>
+              <a:rPr lang="en-AU" dirty="0" smtClean="0">
+                <a:solidFill>
+                  <a:srgbClr val="C00000"/>
+                </a:solidFill>
+              </a:rPr>
               <a:t>Can’t use </a:t>
             </a:r>
             <a:r>
-              <a:rPr lang="en-AU" dirty="0" err="1" smtClean="0"/>
+              <a:rPr lang="en-AU" dirty="0" err="1" smtClean="0">
+                <a:solidFill>
+                  <a:srgbClr val="C00000"/>
+                </a:solidFill>
+              </a:rPr>
               <a:t>NBuilder</a:t>
             </a:r>
             <a:r>
-              <a:rPr lang="en-AU" dirty="0" smtClean="0"/>
+              <a:rPr lang="en-AU" dirty="0" smtClean="0">
+                <a:solidFill>
+                  <a:srgbClr val="C00000"/>
+                </a:solidFill>
+              </a:rPr>
               <a:t> easily</a:t>
             </a:r>
           </a:p>
           <a:p>
             <a:r>
-              <a:rPr lang="en-AU" b="1" dirty="0" smtClean="0"/>
+              <a:rPr lang="en-AU" b="1" dirty="0" smtClean="0">
+                <a:solidFill>
+                  <a:srgbClr val="C00000"/>
+                </a:solidFill>
+              </a:rPr>
               <a:t>Lack of clarity</a:t>
             </a:r>
           </a:p>
@@ -5684,6 +5731,320 @@
     <p:extLst>
       <p:ext uri="{BB962C8B-B14F-4D97-AF65-F5344CB8AC3E}">
         <p14:creationId xmlns:p14="http://schemas.microsoft.com/office/powerpoint/2010/main" val="76878284"/>
+      </p:ext>
+    </p:extLst>
+  </p:cSld>
+  <p:clrMapOvr>
+    <a:masterClrMapping/>
+  </p:clrMapOvr>
+</p:sld>
+</file>
+
+<file path=ppt/slides/slide5.xml><?xml version="1.0" encoding="utf-8"?>
+<p:sld xmlns:a="http://schemas.openxmlformats.org/drawingml/2006/main" xmlns:r="http://schemas.openxmlformats.org/officeDocument/2006/relationships" xmlns:p="http://schemas.openxmlformats.org/presentationml/2006/main">
+  <p:cSld>
+    <p:spTree>
+      <p:nvGrpSpPr>
+        <p:cNvPr id="1" name=""/>
+        <p:cNvGrpSpPr/>
+        <p:nvPr/>
+      </p:nvGrpSpPr>
+      <p:grpSpPr>
+        <a:xfrm>
+          <a:off x="0" y="0"/>
+          <a:ext cx="0" cy="0"/>
+          <a:chOff x="0" y="0"/>
+          <a:chExt cx="0" cy="0"/>
+        </a:xfrm>
+      </p:grpSpPr>
+      <p:sp>
+        <p:nvSpPr>
+          <p:cNvPr id="2" name="Content Placeholder 1"/>
+          <p:cNvSpPr>
+            <a:spLocks noGrp="1"/>
+          </p:cNvSpPr>
+          <p:nvPr>
+            <p:ph idx="1"/>
+          </p:nvPr>
+        </p:nvSpPr>
+        <p:spPr/>
+        <p:txBody>
+          <a:bodyPr>
+            <a:normAutofit lnSpcReduction="10000"/>
+          </a:bodyPr>
+          <a:lstStyle/>
+          <a:p>
+            <a:r>
+              <a:rPr lang="en-AU" dirty="0" smtClean="0">
+                <a:solidFill>
+                  <a:schemeClr val="accent3">
+                    <a:lumMod val="50000"/>
+                  </a:schemeClr>
+                </a:solidFill>
+              </a:rPr>
+              <a:t>More readable</a:t>
+            </a:r>
+          </a:p>
+          <a:p>
+            <a:r>
+              <a:rPr lang="en-AU" dirty="0" smtClean="0">
+                <a:solidFill>
+                  <a:schemeClr val="accent3">
+                    <a:lumMod val="50000"/>
+                  </a:schemeClr>
+                </a:solidFill>
+              </a:rPr>
+              <a:t>More consistent</a:t>
+            </a:r>
+          </a:p>
+          <a:p>
+            <a:pPr marL="0" indent="0">
+              <a:buNone/>
+            </a:pPr>
+            <a:endParaRPr lang="en-AU" dirty="0" smtClean="0"/>
+          </a:p>
+          <a:p>
+            <a:r>
+              <a:rPr lang="en-AU" dirty="0" smtClean="0">
+                <a:solidFill>
+                  <a:srgbClr val="C00000"/>
+                </a:solidFill>
+              </a:rPr>
+              <a:t>Still lots of constructor calls</a:t>
+            </a:r>
+          </a:p>
+          <a:p>
+            <a:r>
+              <a:rPr lang="en-AU" dirty="0" smtClean="0">
+                <a:solidFill>
+                  <a:srgbClr val="C00000"/>
+                </a:solidFill>
+              </a:rPr>
+              <a:t>God object</a:t>
+            </a:r>
+          </a:p>
+          <a:p>
+            <a:r>
+              <a:rPr lang="en-AU" dirty="0" smtClean="0">
+                <a:solidFill>
+                  <a:srgbClr val="C00000"/>
+                </a:solidFill>
+              </a:rPr>
+              <a:t>Awkward for data-driven tests</a:t>
+            </a:r>
+            <a:endParaRPr lang="en-AU" dirty="0">
+              <a:solidFill>
+                <a:srgbClr val="C00000"/>
+              </a:solidFill>
+            </a:endParaRPr>
+          </a:p>
+        </p:txBody>
+      </p:sp>
+      <p:sp>
+        <p:nvSpPr>
+          <p:cNvPr id="3" name="Slide Number Placeholder 2"/>
+          <p:cNvSpPr>
+            <a:spLocks noGrp="1"/>
+          </p:cNvSpPr>
+          <p:nvPr>
+            <p:ph type="sldNum" sz="quarter" idx="12"/>
+          </p:nvPr>
+        </p:nvSpPr>
+        <p:spPr/>
+        <p:txBody>
+          <a:bodyPr/>
+          <a:lstStyle/>
+          <a:p>
+            <a:fld id="{60774F4A-1F38-48E5-8B8A-6E300AFFF9D4}" type="slidenum">
+              <a:rPr lang="en-AU" smtClean="0"/>
+              <a:t>5</a:t>
+            </a:fld>
+            <a:endParaRPr lang="en-AU"/>
+          </a:p>
+        </p:txBody>
+      </p:sp>
+      <p:sp>
+        <p:nvSpPr>
+          <p:cNvPr id="4" name="Title 3"/>
+          <p:cNvSpPr>
+            <a:spLocks noGrp="1"/>
+          </p:cNvSpPr>
+          <p:nvPr>
+            <p:ph type="title"/>
+          </p:nvPr>
+        </p:nvSpPr>
+        <p:spPr/>
+        <p:txBody>
+          <a:bodyPr/>
+          <a:lstStyle/>
+          <a:p>
+            <a:r>
+              <a:rPr lang="en-AU" dirty="0" smtClean="0"/>
+              <a:t>Enter Object Mother</a:t>
+            </a:r>
+            <a:endParaRPr lang="en-AU" dirty="0"/>
+          </a:p>
+        </p:txBody>
+      </p:sp>
+    </p:spTree>
+    <p:extLst>
+      <p:ext uri="{BB962C8B-B14F-4D97-AF65-F5344CB8AC3E}">
+        <p14:creationId xmlns:p14="http://schemas.microsoft.com/office/powerpoint/2010/main" val="3701442779"/>
+      </p:ext>
+    </p:extLst>
+  </p:cSld>
+  <p:clrMapOvr>
+    <a:masterClrMapping/>
+  </p:clrMapOvr>
+</p:sld>
+</file>
+
+<file path=ppt/slides/slide6.xml><?xml version="1.0" encoding="utf-8"?>
+<p:sld xmlns:a="http://schemas.openxmlformats.org/drawingml/2006/main" xmlns:r="http://schemas.openxmlformats.org/officeDocument/2006/relationships" xmlns:p="http://schemas.openxmlformats.org/presentationml/2006/main">
+  <p:cSld>
+    <p:spTree>
+      <p:nvGrpSpPr>
+        <p:cNvPr id="1" name=""/>
+        <p:cNvGrpSpPr/>
+        <p:nvPr/>
+      </p:nvGrpSpPr>
+      <p:grpSpPr>
+        <a:xfrm>
+          <a:off x="0" y="0"/>
+          <a:ext cx="0" cy="0"/>
+          <a:chOff x="0" y="0"/>
+          <a:chExt cx="0" cy="0"/>
+        </a:xfrm>
+      </p:grpSpPr>
+      <p:sp>
+        <p:nvSpPr>
+          <p:cNvPr id="2" name="Content Placeholder 1"/>
+          <p:cNvSpPr>
+            <a:spLocks noGrp="1"/>
+          </p:cNvSpPr>
+          <p:nvPr>
+            <p:ph idx="1"/>
+          </p:nvPr>
+        </p:nvSpPr>
+        <p:spPr/>
+        <p:txBody>
+          <a:bodyPr/>
+          <a:lstStyle/>
+          <a:p>
+            <a:r>
+              <a:rPr lang="en-AU" dirty="0" smtClean="0">
+                <a:solidFill>
+                  <a:schemeClr val="accent3">
+                    <a:lumMod val="50000"/>
+                  </a:schemeClr>
+                </a:solidFill>
+              </a:rPr>
+              <a:t>One constructor call</a:t>
+            </a:r>
+          </a:p>
+          <a:p>
+            <a:r>
+              <a:rPr lang="en-AU" dirty="0" smtClean="0">
+                <a:solidFill>
+                  <a:schemeClr val="accent3">
+                    <a:lumMod val="50000"/>
+                  </a:schemeClr>
+                </a:solidFill>
+              </a:rPr>
+              <a:t>Easy to write (fluent)</a:t>
+            </a:r>
+          </a:p>
+          <a:p>
+            <a:r>
+              <a:rPr lang="en-AU" dirty="0" smtClean="0">
+                <a:solidFill>
+                  <a:schemeClr val="accent3">
+                    <a:lumMod val="50000"/>
+                  </a:schemeClr>
+                </a:solidFill>
+              </a:rPr>
+              <a:t>Can express actions</a:t>
+            </a:r>
+          </a:p>
+          <a:p>
+            <a:r>
+              <a:rPr lang="en-AU" dirty="0" smtClean="0">
+                <a:solidFill>
+                  <a:schemeClr val="accent3">
+                    <a:lumMod val="50000"/>
+                  </a:schemeClr>
+                </a:solidFill>
+              </a:rPr>
+              <a:t>Forms documentation</a:t>
+            </a:r>
+          </a:p>
+          <a:p>
+            <a:r>
+              <a:rPr lang="en-AU" dirty="0" smtClean="0">
+                <a:solidFill>
+                  <a:schemeClr val="accent3">
+                    <a:lumMod val="50000"/>
+                  </a:schemeClr>
+                </a:solidFill>
+              </a:rPr>
+              <a:t>Reduced noise</a:t>
+            </a:r>
+          </a:p>
+          <a:p>
+            <a:endParaRPr lang="en-AU" dirty="0"/>
+          </a:p>
+        </p:txBody>
+      </p:sp>
+      <p:sp>
+        <p:nvSpPr>
+          <p:cNvPr id="3" name="Slide Number Placeholder 2"/>
+          <p:cNvSpPr>
+            <a:spLocks noGrp="1"/>
+          </p:cNvSpPr>
+          <p:nvPr>
+            <p:ph type="sldNum" sz="quarter" idx="12"/>
+          </p:nvPr>
+        </p:nvSpPr>
+        <p:spPr/>
+        <p:txBody>
+          <a:bodyPr/>
+          <a:lstStyle/>
+          <a:p>
+            <a:fld id="{60774F4A-1F38-48E5-8B8A-6E300AFFF9D4}" type="slidenum">
+              <a:rPr lang="en-AU" smtClean="0"/>
+              <a:t>6</a:t>
+            </a:fld>
+            <a:endParaRPr lang="en-AU"/>
+          </a:p>
+        </p:txBody>
+      </p:sp>
+      <p:sp>
+        <p:nvSpPr>
+          <p:cNvPr id="4" name="Title 3"/>
+          <p:cNvSpPr>
+            <a:spLocks noGrp="1"/>
+          </p:cNvSpPr>
+          <p:nvPr>
+            <p:ph type="title"/>
+          </p:nvPr>
+        </p:nvSpPr>
+        <p:spPr/>
+        <p:txBody>
+          <a:bodyPr/>
+          <a:lstStyle/>
+          <a:p>
+            <a:r>
+              <a:rPr lang="en-AU" dirty="0" smtClean="0"/>
+              <a:t>Test Data Builder Pattern to the rescue!</a:t>
+            </a:r>
+            <a:endParaRPr lang="en-AU" dirty="0"/>
+          </a:p>
+        </p:txBody>
+      </p:sp>
+    </p:spTree>
+    <p:extLst>
+      <p:ext uri="{BB962C8B-B14F-4D97-AF65-F5344CB8AC3E}">
+        <p14:creationId xmlns:p14="http://schemas.microsoft.com/office/powerpoint/2010/main" val="688008354"/>
       </p:ext>
     </p:extLst>
   </p:cSld>

--- a/Presentation.pptx
+++ b/Presentation.pptx
@@ -5,10 +5,10 @@
     <p:sldMasterId id="2147483648" r:id="rId4"/>
   </p:sldMasterIdLst>
   <p:notesMasterIdLst>
-    <p:notesMasterId r:id="rId11"/>
+    <p:notesMasterId r:id="rId16"/>
   </p:notesMasterIdLst>
   <p:handoutMasterIdLst>
-    <p:handoutMasterId r:id="rId12"/>
+    <p:handoutMasterId r:id="rId17"/>
   </p:handoutMasterIdLst>
   <p:sldIdLst>
     <p:sldId id="256" r:id="rId5"/>
@@ -16,7 +16,12 @@
     <p:sldId id="258" r:id="rId7"/>
     <p:sldId id="259" r:id="rId8"/>
     <p:sldId id="260" r:id="rId9"/>
-    <p:sldId id="261" r:id="rId10"/>
+    <p:sldId id="263" r:id="rId10"/>
+    <p:sldId id="264" r:id="rId11"/>
+    <p:sldId id="265" r:id="rId12"/>
+    <p:sldId id="266" r:id="rId13"/>
+    <p:sldId id="267" r:id="rId14"/>
+    <p:sldId id="262" r:id="rId15"/>
   </p:sldIdLst>
   <p:sldSz cx="12192000" cy="6858000"/>
   <p:notesSz cx="6858000" cy="9144000"/>
@@ -230,7 +235,7 @@
           <a:p>
             <a:fld id="{1632A14B-B8F5-4FA5-863C-C39719B09344}" type="datetimeFigureOut">
               <a:rPr lang="en-AU" smtClean="0"/>
-              <a:t>2/07/2013</a:t>
+              <a:t>3/07/2013</a:t>
             </a:fld>
             <a:endParaRPr lang="en-AU"/>
           </a:p>
@@ -395,7 +400,7 @@
           <a:p>
             <a:fld id="{BB98A6DB-BBF7-485A-89D2-797CD7FBFC92}" type="datetimeFigureOut">
               <a:rPr lang="en-AU" smtClean="0"/>
-              <a:t>2/07/2013</a:t>
+              <a:t>3/07/2013</a:t>
             </a:fld>
             <a:endParaRPr lang="en-AU"/>
           </a:p>
@@ -871,7 +876,7 @@
           <a:p>
             <a:fld id="{16B6A002-3457-42CD-AF16-22A2F96036BD}" type="datetime1">
               <a:rPr lang="en-AU" smtClean="0"/>
-              <a:t>2/07/2013</a:t>
+              <a:t>3/07/2013</a:t>
             </a:fld>
             <a:endParaRPr lang="en-AU" dirty="0"/>
           </a:p>
@@ -1030,7 +1035,7 @@
           <a:p>
             <a:fld id="{44DFCBFA-B107-48BB-966D-A2F565DED1B6}" type="datetime1">
               <a:rPr lang="en-AU" smtClean="0"/>
-              <a:t>2/07/2013</a:t>
+              <a:t>3/07/2013</a:t>
             </a:fld>
             <a:endParaRPr lang="en-AU"/>
           </a:p>
@@ -1230,7 +1235,7 @@
           <a:p>
             <a:fld id="{50A7A702-4E87-4A1F-A23B-DF2E663B53F2}" type="datetime1">
               <a:rPr lang="en-AU" smtClean="0"/>
-              <a:t>2/07/2013</a:t>
+              <a:t>3/07/2013</a:t>
             </a:fld>
             <a:endParaRPr lang="en-AU"/>
           </a:p>
@@ -1411,7 +1416,7 @@
           <a:p>
             <a:fld id="{5A4ECBF8-086F-4F3D-9C2A-F599A201D092}" type="datetime1">
               <a:rPr lang="en-AU" smtClean="0"/>
-              <a:t>2/07/2013</a:t>
+              <a:t>3/07/2013</a:t>
             </a:fld>
             <a:endParaRPr lang="en-AU"/>
           </a:p>
@@ -1556,7 +1561,7 @@
           <a:p>
             <a:fld id="{4E6BC696-75D3-46EF-9774-F3A353FB72EF}" type="datetime1">
               <a:rPr lang="en-AU" smtClean="0"/>
-              <a:t>2/07/2013</a:t>
+              <a:t>3/07/2013</a:t>
             </a:fld>
             <a:endParaRPr lang="en-AU"/>
           </a:p>
@@ -2124,7 +2129,7 @@
           <a:p>
             <a:fld id="{54DF1F29-81D3-4B72-BBA3-EDCBBC0599EB}" type="datetime1">
               <a:rPr lang="en-AU" smtClean="0"/>
-              <a:t>2/07/2013</a:t>
+              <a:t>3/07/2013</a:t>
             </a:fld>
             <a:endParaRPr lang="en-AU" dirty="0"/>
           </a:p>
@@ -2354,7 +2359,7 @@
           <a:p>
             <a:fld id="{A7DF45EB-4FF1-4484-91E5-54C8E222FB57}" type="datetime1">
               <a:rPr lang="en-AU" smtClean="0"/>
-              <a:t>2/07/2013</a:t>
+              <a:t>3/07/2013</a:t>
             </a:fld>
             <a:endParaRPr lang="en-AU"/>
           </a:p>
@@ -2666,7 +2671,7 @@
           <a:p>
             <a:fld id="{93183B70-7608-4C4C-8079-D0207971FDA6}" type="datetime1">
               <a:rPr lang="en-AU" smtClean="0"/>
-              <a:t>2/07/2013</a:t>
+              <a:t>3/07/2013</a:t>
             </a:fld>
             <a:endParaRPr lang="en-AU"/>
           </a:p>
@@ -3120,7 +3125,7 @@
           <a:p>
             <a:fld id="{32F116C7-7C3B-4353-811A-2389BF29DAEF}" type="datetime1">
               <a:rPr lang="en-AU" smtClean="0"/>
-              <a:t>2/07/2013</a:t>
+              <a:t>3/07/2013</a:t>
             </a:fld>
             <a:endParaRPr lang="en-AU"/>
           </a:p>
@@ -3232,7 +3237,7 @@
           <a:p>
             <a:fld id="{5A4ECBF8-086F-4F3D-9C2A-F599A201D092}" type="datetime1">
               <a:rPr lang="en-AU" smtClean="0"/>
-              <a:t>2/07/2013</a:t>
+              <a:t>3/07/2013</a:t>
             </a:fld>
             <a:endParaRPr lang="en-AU"/>
           </a:p>
@@ -3509,7 +3514,7 @@
           <a:p>
             <a:fld id="{315C4B4C-F5A1-45F7-AD51-C5406E8CAF38}" type="datetime1">
               <a:rPr lang="en-AU" smtClean="0"/>
-              <a:t>2/07/2013</a:t>
+              <a:t>3/07/2013</a:t>
             </a:fld>
             <a:endParaRPr lang="en-AU"/>
           </a:p>
@@ -3824,7 +3829,7 @@
           <a:p>
             <a:fld id="{DECEED01-EF05-4B35-9B58-2E06544D4C27}" type="datetime1">
               <a:rPr lang="en-AU" smtClean="0"/>
-              <a:t>2/07/2013</a:t>
+              <a:t>3/07/2013</a:t>
             </a:fld>
             <a:endParaRPr lang="en-AU"/>
           </a:p>
@@ -3936,7 +3941,7 @@
           <a:p>
             <a:fld id="{5B604487-7FAB-4A22-A4CD-596BD048914A}" type="datetime1">
               <a:rPr lang="en-AU" smtClean="0"/>
-              <a:t>2/07/2013</a:t>
+              <a:t>3/07/2013</a:t>
             </a:fld>
             <a:endParaRPr lang="en-AU"/>
           </a:p>
@@ -3989,8 +3994,8 @@
         </p:blipFill>
         <p:spPr bwMode="auto">
           <a:xfrm>
-            <a:off x="3552079" y="2705024"/>
-            <a:ext cx="708020" cy="531015"/>
+            <a:off x="3719736" y="2705024"/>
+            <a:ext cx="540362" cy="531015"/>
           </a:xfrm>
           <a:prstGeom prst="rect">
             <a:avLst/>
@@ -4030,8 +4035,8 @@
         </p:blipFill>
         <p:spPr bwMode="auto">
           <a:xfrm>
-            <a:off x="3552080" y="3477802"/>
-            <a:ext cx="708641" cy="527263"/>
+            <a:off x="3719735" y="3477802"/>
+            <a:ext cx="540985" cy="527263"/>
           </a:xfrm>
           <a:prstGeom prst="rect">
             <a:avLst/>
@@ -4048,47 +4053,6 @@
           </a:extLst>
         </p:spPr>
       </p:pic>
-      <p:pic>
-        <p:nvPicPr>
-          <p:cNvPr id="8" name="Picture 7" descr="C:\Users\brendan\Desktop\metrostation_by_yankoa-d312tty\PNG\Network\Blue\MB_0026_twitter3.png"/>
-          <p:cNvPicPr>
-            <a:picLocks noChangeAspect="1" noChangeArrowheads="1"/>
-          </p:cNvPicPr>
-          <p:nvPr userDrawn="1"/>
-        </p:nvPicPr>
-        <p:blipFill>
-          <a:blip r:embed="rId4" cstate="print">
-            <a:extLst>
-              <a:ext uri="{28A0092B-C50C-407E-A947-70E740481C1C}">
-                <a14:useLocalDpi xmlns:a14="http://schemas.microsoft.com/office/drawing/2010/main" val="0"/>
-              </a:ext>
-            </a:extLst>
-          </a:blip>
-          <a:srcRect/>
-          <a:stretch>
-            <a:fillRect/>
-          </a:stretch>
-        </p:blipFill>
-        <p:spPr bwMode="auto">
-          <a:xfrm>
-            <a:off x="3522507" y="4248348"/>
-            <a:ext cx="737592" cy="548804"/>
-          </a:xfrm>
-          <a:prstGeom prst="rect">
-            <a:avLst/>
-          </a:prstGeom>
-          <a:noFill/>
-          <a:extLst>
-            <a:ext uri="{909E8E84-426E-40DD-AFC4-6F175D3DCCD1}">
-              <a14:hiddenFill xmlns:a14="http://schemas.microsoft.com/office/drawing/2010/main">
-                <a:solidFill>
-                  <a:srgbClr val="FFFFFF"/>
-                </a:solidFill>
-              </a14:hiddenFill>
-            </a:ext>
-          </a:extLst>
-        </p:spPr>
-      </p:pic>
       <p:sp>
         <p:nvSpPr>
           <p:cNvPr id="9" name="Text Placeholder 13"/>
@@ -4161,7 +4125,7 @@
             <a:pPr lvl="0"/>
             <a:r>
               <a:rPr lang="en-US" dirty="0" smtClean="0"/>
-              <a:t>Click to enter blog</a:t>
+              <a:t>Click to          </a:t>
             </a:r>
             <a:endParaRPr lang="en-AU" dirty="0"/>
           </a:p>
@@ -4242,6 +4206,36 @@
           </a:p>
         </p:txBody>
       </p:sp>
+      <p:pic>
+        <p:nvPicPr>
+          <p:cNvPr id="13" name="Picture 12"/>
+          <p:cNvPicPr>
+            <a:picLocks noChangeAspect="1"/>
+          </p:cNvPicPr>
+          <p:nvPr userDrawn="1"/>
+        </p:nvPicPr>
+        <p:blipFill>
+          <a:blip r:embed="rId4">
+            <a:extLst>
+              <a:ext uri="{28A0092B-C50C-407E-A947-70E740481C1C}">
+                <a14:useLocalDpi xmlns:a14="http://schemas.microsoft.com/office/drawing/2010/main" val="0"/>
+              </a:ext>
+            </a:extLst>
+          </a:blip>
+          <a:stretch>
+            <a:fillRect/>
+          </a:stretch>
+        </p:blipFill>
+        <p:spPr>
+          <a:xfrm>
+            <a:off x="3719735" y="4261140"/>
+            <a:ext cx="549003" cy="544228"/>
+          </a:xfrm>
+          <a:prstGeom prst="rect">
+            <a:avLst/>
+          </a:prstGeom>
+        </p:spPr>
+      </p:pic>
     </p:spTree>
     <p:extLst>
       <p:ext uri="{BB962C8B-B14F-4D97-AF65-F5344CB8AC3E}">
@@ -4346,7 +4340,7 @@
                                 </p:cTn>
                               </p:par>
                               <p:par>
-                                <p:cTn id="11" presetID="10" presetClass="entr" presetSubtype="0" fill="hold" nodeType="withEffect">
+                                <p:cTn id="11" presetID="10" presetClass="entr" presetSubtype="0" fill="hold" grpId="0" nodeType="withEffect">
                                   <p:stCondLst>
                                     <p:cond delay="0"/>
                                   </p:stCondLst>
@@ -4354,41 +4348,6 @@
                                     <p:set>
                                       <p:cBhvr>
                                         <p:cTn id="12" dur="1" fill="hold">
-                                          <p:stCondLst>
-                                            <p:cond delay="0"/>
-                                          </p:stCondLst>
-                                        </p:cTn>
-                                        <p:tgtEl>
-                                          <p:spTgt spid="8"/>
-                                        </p:tgtEl>
-                                        <p:attrNameLst>
-                                          <p:attrName>style.visibility</p:attrName>
-                                        </p:attrNameLst>
-                                      </p:cBhvr>
-                                      <p:to>
-                                        <p:strVal val="visible"/>
-                                      </p:to>
-                                    </p:set>
-                                    <p:animEffect transition="in" filter="fade">
-                                      <p:cBhvr>
-                                        <p:cTn id="13" dur="500"/>
-                                        <p:tgtEl>
-                                          <p:spTgt spid="8"/>
-                                        </p:tgtEl>
-                                      </p:cBhvr>
-                                    </p:animEffect>
-                                  </p:childTnLst>
-                                </p:cTn>
-                              </p:par>
-                              <p:par>
-                                <p:cTn id="14" presetID="10" presetClass="entr" presetSubtype="0" fill="hold" grpId="0" nodeType="withEffect">
-                                  <p:stCondLst>
-                                    <p:cond delay="0"/>
-                                  </p:stCondLst>
-                                  <p:childTnLst>
-                                    <p:set>
-                                      <p:cBhvr>
-                                        <p:cTn id="15" dur="1" fill="hold">
                                           <p:stCondLst>
                                             <p:cond delay="0"/>
                                           </p:stCondLst>
@@ -4410,9 +4369,52 @@
                                     </p:set>
                                     <p:animEffect transition="in" filter="fade">
                                       <p:cBhvr>
+                                        <p:cTn id="13" dur="500"/>
+                                        <p:tgtEl>
+                                          <p:spTgt spid="10">
+                                            <p:txEl>
+                                              <p:pRg st="0" end="0"/>
+                                            </p:txEl>
+                                          </p:spTgt>
+                                        </p:tgtEl>
+                                      </p:cBhvr>
+                                    </p:animEffect>
+                                  </p:childTnLst>
+                                </p:cTn>
+                              </p:par>
+                              <p:par>
+                                <p:cTn id="14" presetID="10" presetClass="entr" presetSubtype="0" fill="hold" grpId="0" nodeType="withEffect">
+                                  <p:stCondLst>
+                                    <p:cond delay="0"/>
+                                  </p:stCondLst>
+                                  <p:childTnLst>
+                                    <p:set>
+                                      <p:cBhvr>
+                                        <p:cTn id="15" dur="1" fill="hold">
+                                          <p:stCondLst>
+                                            <p:cond delay="0"/>
+                                          </p:stCondLst>
+                                        </p:cTn>
+                                        <p:tgtEl>
+                                          <p:spTgt spid="9">
+                                            <p:txEl>
+                                              <p:pRg st="0" end="0"/>
+                                            </p:txEl>
+                                          </p:spTgt>
+                                        </p:tgtEl>
+                                        <p:attrNameLst>
+                                          <p:attrName>style.visibility</p:attrName>
+                                        </p:attrNameLst>
+                                      </p:cBhvr>
+                                      <p:to>
+                                        <p:strVal val="visible"/>
+                                      </p:to>
+                                    </p:set>
+                                    <p:animEffect transition="in" filter="fade">
+                                      <p:cBhvr>
                                         <p:cTn id="16" dur="500"/>
                                         <p:tgtEl>
-                                          <p:spTgt spid="10">
+                                          <p:spTgt spid="9">
                                             <p:txEl>
                                               <p:pRg st="0" end="0"/>
                                             </p:txEl>
@@ -4437,7 +4439,7 @@
                                           </p:stCondLst>
                                         </p:cTn>
                                         <p:tgtEl>
-                                          <p:spTgt spid="9">
+                                          <p:spTgt spid="11">
                                             <p:txEl>
                                               <p:pRg st="0" end="0"/>
                                             </p:txEl>
@@ -4454,49 +4456,6 @@
                                     <p:animEffect transition="in" filter="fade">
                                       <p:cBhvr>
                                         <p:cTn id="19" dur="500"/>
-                                        <p:tgtEl>
-                                          <p:spTgt spid="9">
-                                            <p:txEl>
-                                              <p:pRg st="0" end="0"/>
-                                            </p:txEl>
-                                          </p:spTgt>
-                                        </p:tgtEl>
-                                      </p:cBhvr>
-                                    </p:animEffect>
-                                  </p:childTnLst>
-                                </p:cTn>
-                              </p:par>
-                              <p:par>
-                                <p:cTn id="20" presetID="10" presetClass="entr" presetSubtype="0" fill="hold" grpId="0" nodeType="withEffect">
-                                  <p:stCondLst>
-                                    <p:cond delay="0"/>
-                                  </p:stCondLst>
-                                  <p:childTnLst>
-                                    <p:set>
-                                      <p:cBhvr>
-                                        <p:cTn id="21" dur="1" fill="hold">
-                                          <p:stCondLst>
-                                            <p:cond delay="0"/>
-                                          </p:stCondLst>
-                                        </p:cTn>
-                                        <p:tgtEl>
-                                          <p:spTgt spid="11">
-                                            <p:txEl>
-                                              <p:pRg st="0" end="0"/>
-                                            </p:txEl>
-                                          </p:spTgt>
-                                        </p:tgtEl>
-                                        <p:attrNameLst>
-                                          <p:attrName>style.visibility</p:attrName>
-                                        </p:attrNameLst>
-                                      </p:cBhvr>
-                                      <p:to>
-                                        <p:strVal val="visible"/>
-                                      </p:to>
-                                    </p:set>
-                                    <p:animEffect transition="in" filter="fade">
-                                      <p:cBhvr>
-                                        <p:cTn id="22" dur="500"/>
                                         <p:tgtEl>
                                           <p:spTgt spid="11">
                                             <p:txEl>
@@ -4790,7 +4749,7 @@
           <a:p>
             <a:fld id="{5B604487-7FAB-4A22-A4CD-596BD048914A}" type="datetime1">
               <a:rPr lang="en-AU" smtClean="0"/>
-              <a:t>2/07/2013</a:t>
+              <a:t>3/07/2013</a:t>
             </a:fld>
             <a:endParaRPr lang="en-AU"/>
           </a:p>
@@ -5305,13 +5264,421 @@
     </p:spTree>
     <p:extLst>
       <p:ext uri="{BB962C8B-B14F-4D97-AF65-F5344CB8AC3E}">
-        <p14:creationId xmlns:p14="http://schemas.microsoft.com/office/powerpoint/2010/main" val="2765618615"/>
+        <p14:creationId xmlns:p14="http://schemas.microsoft.com/office/powerpoint/2010/main" val="3301310406"/>
       </p:ext>
     </p:extLst>
   </p:cSld>
   <p:clrMapOvr>
     <a:masterClrMapping/>
   </p:clrMapOvr>
+  <p:timing>
+    <p:tnLst>
+      <p:par>
+        <p:cTn id="1" dur="indefinite" restart="never" nodeType="tmRoot"/>
+      </p:par>
+    </p:tnLst>
+  </p:timing>
+</p:sld>
+</file>
+
+<file path=ppt/slides/slide10.xml><?xml version="1.0" encoding="utf-8"?>
+<p:sld xmlns:a="http://schemas.openxmlformats.org/drawingml/2006/main" xmlns:r="http://schemas.openxmlformats.org/officeDocument/2006/relationships" xmlns:p="http://schemas.openxmlformats.org/presentationml/2006/main">
+  <p:cSld>
+    <p:spTree>
+      <p:nvGrpSpPr>
+        <p:cNvPr id="1" name=""/>
+        <p:cNvGrpSpPr/>
+        <p:nvPr/>
+      </p:nvGrpSpPr>
+      <p:grpSpPr>
+        <a:xfrm>
+          <a:off x="0" y="0"/>
+          <a:ext cx="0" cy="0"/>
+          <a:chOff x="0" y="0"/>
+          <a:chExt cx="0" cy="0"/>
+        </a:xfrm>
+      </p:grpSpPr>
+      <p:pic>
+        <p:nvPicPr>
+          <p:cNvPr id="6" name="Picture 5"/>
+          <p:cNvPicPr>
+            <a:picLocks noChangeAspect="1"/>
+          </p:cNvPicPr>
+          <p:nvPr/>
+        </p:nvPicPr>
+        <p:blipFill>
+          <a:blip r:embed="rId2"/>
+          <a:stretch>
+            <a:fillRect/>
+          </a:stretch>
+        </p:blipFill>
+        <p:spPr>
+          <a:xfrm>
+            <a:off x="1743075" y="1428750"/>
+            <a:ext cx="8705850" cy="4000500"/>
+          </a:xfrm>
+          <a:prstGeom prst="rect">
+            <a:avLst/>
+          </a:prstGeom>
+        </p:spPr>
+      </p:pic>
+      <p:sp>
+        <p:nvSpPr>
+          <p:cNvPr id="3" name="Slide Number Placeholder 2"/>
+          <p:cNvSpPr>
+            <a:spLocks noGrp="1"/>
+          </p:cNvSpPr>
+          <p:nvPr>
+            <p:ph type="sldNum" sz="quarter" idx="12"/>
+          </p:nvPr>
+        </p:nvSpPr>
+        <p:spPr/>
+        <p:txBody>
+          <a:bodyPr/>
+          <a:lstStyle/>
+          <a:p>
+            <a:fld id="{60774F4A-1F38-48E5-8B8A-6E300AFFF9D4}" type="slidenum">
+              <a:rPr lang="en-AU" smtClean="0"/>
+              <a:t>10</a:t>
+            </a:fld>
+            <a:endParaRPr lang="en-AU"/>
+          </a:p>
+        </p:txBody>
+      </p:sp>
+      <p:sp>
+        <p:nvSpPr>
+          <p:cNvPr id="4" name="Title 3"/>
+          <p:cNvSpPr>
+            <a:spLocks noGrp="1"/>
+          </p:cNvSpPr>
+          <p:nvPr>
+            <p:ph type="title"/>
+          </p:nvPr>
+        </p:nvSpPr>
+        <p:spPr/>
+        <p:txBody>
+          <a:bodyPr/>
+          <a:lstStyle/>
+          <a:p>
+            <a:r>
+              <a:rPr lang="en-AU" dirty="0" smtClean="0"/>
+              <a:t>Complex integration test comparison</a:t>
+            </a:r>
+            <a:endParaRPr lang="en-AU" dirty="0"/>
+          </a:p>
+        </p:txBody>
+      </p:sp>
+      <p:pic>
+        <p:nvPicPr>
+          <p:cNvPr id="5" name="Picture 4"/>
+          <p:cNvPicPr>
+            <a:picLocks noChangeAspect="1"/>
+          </p:cNvPicPr>
+          <p:nvPr/>
+        </p:nvPicPr>
+        <p:blipFill>
+          <a:blip r:embed="rId3"/>
+          <a:stretch>
+            <a:fillRect/>
+          </a:stretch>
+        </p:blipFill>
+        <p:spPr>
+          <a:xfrm>
+            <a:off x="1733550" y="1412776"/>
+            <a:ext cx="8724900" cy="2981325"/>
+          </a:xfrm>
+          <a:prstGeom prst="rect">
+            <a:avLst/>
+          </a:prstGeom>
+        </p:spPr>
+      </p:pic>
+    </p:spTree>
+    <p:extLst>
+      <p:ext uri="{BB962C8B-B14F-4D97-AF65-F5344CB8AC3E}">
+        <p14:creationId xmlns:p14="http://schemas.microsoft.com/office/powerpoint/2010/main" val="731620353"/>
+      </p:ext>
+    </p:extLst>
+  </p:cSld>
+  <p:clrMapOvr>
+    <a:masterClrMapping/>
+  </p:clrMapOvr>
+  <p:timing>
+    <p:tnLst>
+      <p:par>
+        <p:cTn id="1" dur="indefinite" restart="never" nodeType="tmRoot">
+          <p:childTnLst>
+            <p:seq concurrent="1" nextAc="seek">
+              <p:cTn id="2" dur="indefinite" nodeType="mainSeq">
+                <p:childTnLst>
+                  <p:par>
+                    <p:cTn id="3" fill="hold">
+                      <p:stCondLst>
+                        <p:cond delay="indefinite"/>
+                      </p:stCondLst>
+                      <p:childTnLst>
+                        <p:par>
+                          <p:cTn id="4" fill="hold">
+                            <p:stCondLst>
+                              <p:cond delay="0"/>
+                            </p:stCondLst>
+                            <p:childTnLst>
+                              <p:par>
+                                <p:cTn id="5" presetID="10" presetClass="exit" presetSubtype="0" fill="hold" nodeType="clickEffect">
+                                  <p:stCondLst>
+                                    <p:cond delay="0"/>
+                                  </p:stCondLst>
+                                  <p:childTnLst>
+                                    <p:animEffect transition="out" filter="fade">
+                                      <p:cBhvr>
+                                        <p:cTn id="6" dur="500"/>
+                                        <p:tgtEl>
+                                          <p:spTgt spid="5"/>
+                                        </p:tgtEl>
+                                      </p:cBhvr>
+                                    </p:animEffect>
+                                    <p:set>
+                                      <p:cBhvr>
+                                        <p:cTn id="7" dur="1" fill="hold">
+                                          <p:stCondLst>
+                                            <p:cond delay="499"/>
+                                          </p:stCondLst>
+                                        </p:cTn>
+                                        <p:tgtEl>
+                                          <p:spTgt spid="5"/>
+                                        </p:tgtEl>
+                                        <p:attrNameLst>
+                                          <p:attrName>style.visibility</p:attrName>
+                                        </p:attrNameLst>
+                                      </p:cBhvr>
+                                      <p:to>
+                                        <p:strVal val="hidden"/>
+                                      </p:to>
+                                    </p:set>
+                                  </p:childTnLst>
+                                </p:cTn>
+                              </p:par>
+                              <p:par>
+                                <p:cTn id="8" presetID="10" presetClass="entr" presetSubtype="0" fill="hold" nodeType="withEffect">
+                                  <p:stCondLst>
+                                    <p:cond delay="0"/>
+                                  </p:stCondLst>
+                                  <p:childTnLst>
+                                    <p:set>
+                                      <p:cBhvr>
+                                        <p:cTn id="9" dur="1" fill="hold">
+                                          <p:stCondLst>
+                                            <p:cond delay="0"/>
+                                          </p:stCondLst>
+                                        </p:cTn>
+                                        <p:tgtEl>
+                                          <p:spTgt spid="6"/>
+                                        </p:tgtEl>
+                                        <p:attrNameLst>
+                                          <p:attrName>style.visibility</p:attrName>
+                                        </p:attrNameLst>
+                                      </p:cBhvr>
+                                      <p:to>
+                                        <p:strVal val="visible"/>
+                                      </p:to>
+                                    </p:set>
+                                    <p:animEffect transition="in" filter="fade">
+                                      <p:cBhvr>
+                                        <p:cTn id="10" dur="500"/>
+                                        <p:tgtEl>
+                                          <p:spTgt spid="6"/>
+                                        </p:tgtEl>
+                                      </p:cBhvr>
+                                    </p:animEffect>
+                                  </p:childTnLst>
+                                </p:cTn>
+                              </p:par>
+                            </p:childTnLst>
+                          </p:cTn>
+                        </p:par>
+                      </p:childTnLst>
+                    </p:cTn>
+                  </p:par>
+                </p:childTnLst>
+              </p:cTn>
+              <p:prevCondLst>
+                <p:cond evt="onPrev" delay="0">
+                  <p:tgtEl>
+                    <p:sldTgt/>
+                  </p:tgtEl>
+                </p:cond>
+              </p:prevCondLst>
+              <p:nextCondLst>
+                <p:cond evt="onNext" delay="0">
+                  <p:tgtEl>
+                    <p:sldTgt/>
+                  </p:tgtEl>
+                </p:cond>
+              </p:nextCondLst>
+            </p:seq>
+          </p:childTnLst>
+        </p:cTn>
+      </p:par>
+    </p:tnLst>
+  </p:timing>
+</p:sld>
+</file>
+
+<file path=ppt/slides/slide11.xml><?xml version="1.0" encoding="utf-8"?>
+<p:sld xmlns:a="http://schemas.openxmlformats.org/drawingml/2006/main" xmlns:r="http://schemas.openxmlformats.org/officeDocument/2006/relationships" xmlns:p="http://schemas.openxmlformats.org/presentationml/2006/main">
+  <p:cSld>
+    <p:spTree>
+      <p:nvGrpSpPr>
+        <p:cNvPr id="1" name=""/>
+        <p:cNvGrpSpPr/>
+        <p:nvPr/>
+      </p:nvGrpSpPr>
+      <p:grpSpPr>
+        <a:xfrm>
+          <a:off x="0" y="0"/>
+          <a:ext cx="0" cy="0"/>
+          <a:chOff x="0" y="0"/>
+          <a:chExt cx="0" cy="0"/>
+        </a:xfrm>
+      </p:grpSpPr>
+      <p:sp>
+        <p:nvSpPr>
+          <p:cNvPr id="2" name="Slide Number Placeholder 1"/>
+          <p:cNvSpPr>
+            <a:spLocks noGrp="1"/>
+          </p:cNvSpPr>
+          <p:nvPr>
+            <p:ph type="sldNum" sz="quarter" idx="11"/>
+          </p:nvPr>
+        </p:nvSpPr>
+        <p:spPr/>
+        <p:txBody>
+          <a:bodyPr/>
+          <a:lstStyle/>
+          <a:p>
+            <a:fld id="{60774F4A-1F38-48E5-8B8A-6E300AFFF9D4}" type="slidenum">
+              <a:rPr lang="en-AU" smtClean="0"/>
+              <a:pPr/>
+              <a:t>11</a:t>
+            </a:fld>
+            <a:endParaRPr lang="en-AU" dirty="0"/>
+          </a:p>
+        </p:txBody>
+      </p:sp>
+      <p:sp>
+        <p:nvSpPr>
+          <p:cNvPr id="3" name="Text Placeholder 2"/>
+          <p:cNvSpPr>
+            <a:spLocks noGrp="1"/>
+          </p:cNvSpPr>
+          <p:nvPr>
+            <p:ph type="body" sz="quarter" idx="12"/>
+          </p:nvPr>
+        </p:nvSpPr>
+        <p:spPr/>
+        <p:txBody>
+          <a:bodyPr/>
+          <a:lstStyle/>
+          <a:p>
+            <a:r>
+              <a:rPr lang="en-AU" dirty="0" smtClean="0"/>
+              <a:t>rob.moore@readify.net</a:t>
+            </a:r>
+            <a:endParaRPr lang="en-AU" dirty="0"/>
+          </a:p>
+        </p:txBody>
+      </p:sp>
+      <p:sp>
+        <p:nvSpPr>
+          <p:cNvPr id="4" name="Text Placeholder 3"/>
+          <p:cNvSpPr>
+            <a:spLocks noGrp="1"/>
+          </p:cNvSpPr>
+          <p:nvPr>
+            <p:ph type="body" sz="quarter" idx="13"/>
+          </p:nvPr>
+        </p:nvSpPr>
+        <p:spPr>
+          <a:xfrm>
+            <a:off x="4278662" y="3284984"/>
+            <a:ext cx="6518765" cy="544228"/>
+          </a:xfrm>
+        </p:spPr>
+        <p:txBody>
+          <a:bodyPr>
+            <a:noAutofit/>
+          </a:bodyPr>
+          <a:lstStyle/>
+          <a:p>
+            <a:r>
+              <a:rPr lang="en-AU" dirty="0"/>
+              <a:t>https://github.com/robdmoore/TestFixtureDataGenerationPresentation</a:t>
+            </a:r>
+          </a:p>
+        </p:txBody>
+      </p:sp>
+      <p:sp>
+        <p:nvSpPr>
+          <p:cNvPr id="5" name="Text Placeholder 4"/>
+          <p:cNvSpPr>
+            <a:spLocks noGrp="1"/>
+          </p:cNvSpPr>
+          <p:nvPr>
+            <p:ph type="body" sz="quarter" idx="14"/>
+          </p:nvPr>
+        </p:nvSpPr>
+        <p:spPr/>
+        <p:txBody>
+          <a:bodyPr/>
+          <a:lstStyle/>
+          <a:p>
+            <a:r>
+              <a:rPr lang="en-AU" dirty="0" smtClean="0"/>
+              <a:t>@robdmoore</a:t>
+            </a:r>
+            <a:endParaRPr lang="en-AU" dirty="0"/>
+          </a:p>
+        </p:txBody>
+      </p:sp>
+      <p:sp>
+        <p:nvSpPr>
+          <p:cNvPr id="6" name="Title 5"/>
+          <p:cNvSpPr>
+            <a:spLocks noGrp="1"/>
+          </p:cNvSpPr>
+          <p:nvPr>
+            <p:ph type="title"/>
+          </p:nvPr>
+        </p:nvSpPr>
+        <p:spPr/>
+        <p:txBody>
+          <a:bodyPr/>
+          <a:lstStyle/>
+          <a:p>
+            <a:r>
+              <a:rPr lang="en-AU" smtClean="0"/>
+              <a:t>Thankyou…</a:t>
+            </a:r>
+            <a:endParaRPr lang="en-AU" dirty="0"/>
+          </a:p>
+        </p:txBody>
+      </p:sp>
+    </p:spTree>
+    <p:extLst>
+      <p:ext uri="{BB962C8B-B14F-4D97-AF65-F5344CB8AC3E}">
+        <p14:creationId xmlns:p14="http://schemas.microsoft.com/office/powerpoint/2010/main" val="1010819117"/>
+      </p:ext>
+    </p:extLst>
+  </p:cSld>
+  <p:clrMapOvr>
+    <a:masterClrMapping/>
+  </p:clrMapOvr>
+  <p:timing>
+    <p:tnLst>
+      <p:par>
+        <p:cTn id="1" dur="indefinite" restart="never" nodeType="tmRoot"/>
+      </p:par>
+    </p:tnLst>
+  </p:timing>
 </p:sld>
 </file>
 
@@ -5419,11 +5786,7 @@
           <a:p>
             <a:r>
               <a:rPr lang="en-AU" dirty="0" smtClean="0"/>
-              <a:t>@</a:t>
-            </a:r>
-            <a:r>
-              <a:rPr lang="en-AU" dirty="0" err="1" smtClean="0"/>
-              <a:t>robdmoore</a:t>
+              <a:t>@robdmoore</a:t>
             </a:r>
             <a:endParaRPr lang="en-AU" dirty="0"/>
           </a:p>
@@ -5455,13 +5818,20 @@
     </p:spTree>
     <p:extLst>
       <p:ext uri="{BB962C8B-B14F-4D97-AF65-F5344CB8AC3E}">
-        <p14:creationId xmlns:p14="http://schemas.microsoft.com/office/powerpoint/2010/main" val="3169816648"/>
+        <p14:creationId xmlns:p14="http://schemas.microsoft.com/office/powerpoint/2010/main" val="939694632"/>
       </p:ext>
     </p:extLst>
   </p:cSld>
   <p:clrMapOvr>
     <a:masterClrMapping/>
   </p:clrMapOvr>
+  <p:timing>
+    <p:tnLst>
+      <p:par>
+        <p:cTn id="1" dur="indefinite" restart="never" nodeType="tmRoot"/>
+      </p:par>
+    </p:tnLst>
+  </p:timing>
 </p:sld>
 </file>
 
@@ -5572,13 +5942,20 @@
     </p:spTree>
     <p:extLst>
       <p:ext uri="{BB962C8B-B14F-4D97-AF65-F5344CB8AC3E}">
-        <p14:creationId xmlns:p14="http://schemas.microsoft.com/office/powerpoint/2010/main" val="139300185"/>
+        <p14:creationId xmlns:p14="http://schemas.microsoft.com/office/powerpoint/2010/main" val="4255611641"/>
       </p:ext>
     </p:extLst>
   </p:cSld>
   <p:clrMapOvr>
     <a:masterClrMapping/>
   </p:clrMapOvr>
+  <p:timing>
+    <p:tnLst>
+      <p:par>
+        <p:cTn id="1" dur="indefinite" restart="never" nodeType="tmRoot"/>
+      </p:par>
+    </p:tnLst>
+  </p:timing>
 </p:sld>
 </file>
 
@@ -5730,13 +6107,20 @@
     </p:spTree>
     <p:extLst>
       <p:ext uri="{BB962C8B-B14F-4D97-AF65-F5344CB8AC3E}">
-        <p14:creationId xmlns:p14="http://schemas.microsoft.com/office/powerpoint/2010/main" val="76878284"/>
+        <p14:creationId xmlns:p14="http://schemas.microsoft.com/office/powerpoint/2010/main" val="870771"/>
       </p:ext>
     </p:extLst>
   </p:cSld>
   <p:clrMapOvr>
     <a:masterClrMapping/>
   </p:clrMapOvr>
+  <p:timing>
+    <p:tnLst>
+      <p:par>
+        <p:cTn id="1" dur="indefinite" restart="never" nodeType="tmRoot"/>
+      </p:par>
+    </p:tnLst>
+  </p:timing>
 </p:sld>
 </file>
 
@@ -5889,13 +6273,20 @@
     </p:spTree>
     <p:extLst>
       <p:ext uri="{BB962C8B-B14F-4D97-AF65-F5344CB8AC3E}">
-        <p14:creationId xmlns:p14="http://schemas.microsoft.com/office/powerpoint/2010/main" val="3701442779"/>
+        <p14:creationId xmlns:p14="http://schemas.microsoft.com/office/powerpoint/2010/main" val="3579335146"/>
       </p:ext>
     </p:extLst>
   </p:cSld>
   <p:clrMapOvr>
     <a:masterClrMapping/>
   </p:clrMapOvr>
+  <p:timing>
+    <p:tnLst>
+      <p:par>
+        <p:cTn id="1" dur="indefinite" restart="never" nodeType="tmRoot"/>
+      </p:par>
+    </p:tnLst>
+  </p:timing>
 </p:sld>
 </file>
 
@@ -5923,7 +6314,7 @@
             <a:spLocks noGrp="1"/>
           </p:cNvSpPr>
           <p:nvPr>
-            <p:ph idx="1"/>
+            <p:ph sz="half" idx="1"/>
           </p:nvPr>
         </p:nvSpPr>
         <p:spPr/>
@@ -5931,6 +6322,64 @@
           <a:bodyPr/>
           <a:lstStyle/>
           <a:p>
+            <a:r>
+              <a:rPr lang="en-AU" dirty="0">
+                <a:solidFill>
+                  <a:schemeClr val="accent3">
+                    <a:lumMod val="50000"/>
+                  </a:schemeClr>
+                </a:solidFill>
+              </a:rPr>
+              <a:t>One constructor call</a:t>
+            </a:r>
+          </a:p>
+          <a:p>
+            <a:r>
+              <a:rPr lang="en-AU" dirty="0">
+                <a:solidFill>
+                  <a:schemeClr val="accent3">
+                    <a:lumMod val="50000"/>
+                  </a:schemeClr>
+                </a:solidFill>
+              </a:rPr>
+              <a:t>Easy to write (fluent)</a:t>
+            </a:r>
+          </a:p>
+          <a:p>
+            <a:r>
+              <a:rPr lang="en-AU" dirty="0">
+                <a:solidFill>
+                  <a:schemeClr val="accent3">
+                    <a:lumMod val="50000"/>
+                  </a:schemeClr>
+                </a:solidFill>
+              </a:rPr>
+              <a:t>Can express actions</a:t>
+            </a:r>
+          </a:p>
+          <a:p>
+            <a:r>
+              <a:rPr lang="en-AU" dirty="0">
+                <a:solidFill>
+                  <a:schemeClr val="accent3">
+                    <a:lumMod val="50000"/>
+                  </a:schemeClr>
+                </a:solidFill>
+              </a:rPr>
+              <a:t>Forms documentation</a:t>
+            </a:r>
+          </a:p>
+          <a:p>
+            <a:r>
+              <a:rPr lang="en-AU" dirty="0">
+                <a:solidFill>
+                  <a:schemeClr val="accent3">
+                    <a:lumMod val="50000"/>
+                  </a:schemeClr>
+                </a:solidFill>
+              </a:rPr>
+              <a:t>Reduced </a:t>
+            </a:r>
             <a:r>
               <a:rPr lang="en-AU" dirty="0" smtClean="0">
                 <a:solidFill>
@@ -5939,7 +6388,7 @@
                   </a:schemeClr>
                 </a:solidFill>
               </a:rPr>
-              <a:t>One constructor call</a:t>
+              <a:t>noise</a:t>
             </a:r>
           </a:p>
           <a:p>
@@ -5951,9 +6400,175 @@
                   </a:schemeClr>
                 </a:solidFill>
               </a:rPr>
-              <a:t>Easy to write (fluent)</a:t>
-            </a:r>
-          </a:p>
+              <a:t>Clearer intent</a:t>
+            </a:r>
+            <a:endParaRPr lang="en-AU" dirty="0">
+              <a:solidFill>
+                <a:schemeClr val="accent3">
+                  <a:lumMod val="50000"/>
+                </a:schemeClr>
+              </a:solidFill>
+            </a:endParaRPr>
+          </a:p>
+        </p:txBody>
+      </p:sp>
+      <p:sp>
+        <p:nvSpPr>
+          <p:cNvPr id="3" name="Content Placeholder 2"/>
+          <p:cNvSpPr>
+            <a:spLocks noGrp="1"/>
+          </p:cNvSpPr>
+          <p:nvPr>
+            <p:ph sz="half" idx="2"/>
+          </p:nvPr>
+        </p:nvSpPr>
+        <p:spPr/>
+        <p:txBody>
+          <a:bodyPr/>
+          <a:lstStyle/>
+          <a:p>
+            <a:r>
+              <a:rPr lang="en-AU" dirty="0" smtClean="0">
+                <a:solidFill>
+                  <a:srgbClr val="C00000"/>
+                </a:solidFill>
+              </a:rPr>
+              <a:t>More code in some tests</a:t>
+            </a:r>
+          </a:p>
+          <a:p>
+            <a:r>
+              <a:rPr lang="en-AU" dirty="0" smtClean="0">
+                <a:solidFill>
+                  <a:srgbClr val="C00000"/>
+                </a:solidFill>
+              </a:rPr>
+              <a:t>Noise with builder ctors</a:t>
+            </a:r>
+          </a:p>
+          <a:p>
+            <a:r>
+              <a:rPr lang="en-AU" dirty="0" smtClean="0">
+                <a:solidFill>
+                  <a:srgbClr val="C00000"/>
+                </a:solidFill>
+              </a:rPr>
+              <a:t>Some repetition</a:t>
+            </a:r>
+          </a:p>
+          <a:p>
+            <a:r>
+              <a:rPr lang="en-AU" dirty="0" smtClean="0">
+                <a:solidFill>
+                  <a:srgbClr val="C00000"/>
+                </a:solidFill>
+              </a:rPr>
+              <a:t>More infrastructure code</a:t>
+            </a:r>
+            <a:endParaRPr lang="en-AU" dirty="0">
+              <a:solidFill>
+                <a:srgbClr val="C00000"/>
+              </a:solidFill>
+            </a:endParaRPr>
+          </a:p>
+        </p:txBody>
+      </p:sp>
+      <p:sp>
+        <p:nvSpPr>
+          <p:cNvPr id="4" name="Slide Number Placeholder 3"/>
+          <p:cNvSpPr>
+            <a:spLocks noGrp="1"/>
+          </p:cNvSpPr>
+          <p:nvPr>
+            <p:ph type="sldNum" sz="quarter" idx="12"/>
+          </p:nvPr>
+        </p:nvSpPr>
+        <p:spPr/>
+        <p:txBody>
+          <a:bodyPr/>
+          <a:lstStyle/>
+          <a:p>
+            <a:fld id="{60774F4A-1F38-48E5-8B8A-6E300AFFF9D4}" type="slidenum">
+              <a:rPr lang="en-AU" smtClean="0"/>
+              <a:t>6</a:t>
+            </a:fld>
+            <a:endParaRPr lang="en-AU"/>
+          </a:p>
+        </p:txBody>
+      </p:sp>
+      <p:sp>
+        <p:nvSpPr>
+          <p:cNvPr id="5" name="Title 4"/>
+          <p:cNvSpPr>
+            <a:spLocks noGrp="1"/>
+          </p:cNvSpPr>
+          <p:nvPr>
+            <p:ph type="title"/>
+          </p:nvPr>
+        </p:nvSpPr>
+        <p:spPr/>
+        <p:txBody>
+          <a:bodyPr/>
+          <a:lstStyle/>
+          <a:p>
+            <a:r>
+              <a:rPr lang="en-AU" dirty="0"/>
+              <a:t>Test Data Builder Pattern to the rescue!</a:t>
+            </a:r>
+          </a:p>
+        </p:txBody>
+      </p:sp>
+    </p:spTree>
+    <p:extLst>
+      <p:ext uri="{BB962C8B-B14F-4D97-AF65-F5344CB8AC3E}">
+        <p14:creationId xmlns:p14="http://schemas.microsoft.com/office/powerpoint/2010/main" val="816830058"/>
+      </p:ext>
+    </p:extLst>
+  </p:cSld>
+  <p:clrMapOvr>
+    <a:masterClrMapping/>
+  </p:clrMapOvr>
+  <p:timing>
+    <p:tnLst>
+      <p:par>
+        <p:cTn id="1" dur="indefinite" restart="never" nodeType="tmRoot"/>
+      </p:par>
+    </p:tnLst>
+  </p:timing>
+</p:sld>
+</file>
+
+<file path=ppt/slides/slide7.xml><?xml version="1.0" encoding="utf-8"?>
+<p:sld xmlns:a="http://schemas.openxmlformats.org/drawingml/2006/main" xmlns:r="http://schemas.openxmlformats.org/officeDocument/2006/relationships" xmlns:p="http://schemas.openxmlformats.org/presentationml/2006/main">
+  <p:cSld>
+    <p:spTree>
+      <p:nvGrpSpPr>
+        <p:cNvPr id="1" name=""/>
+        <p:cNvGrpSpPr/>
+        <p:nvPr/>
+      </p:nvGrpSpPr>
+      <p:grpSpPr>
+        <a:xfrm>
+          <a:off x="0" y="0"/>
+          <a:ext cx="0" cy="0"/>
+          <a:chOff x="0" y="0"/>
+          <a:chExt cx="0" cy="0"/>
+        </a:xfrm>
+      </p:grpSpPr>
+      <p:sp>
+        <p:nvSpPr>
+          <p:cNvPr id="2" name="Content Placeholder 1"/>
+          <p:cNvSpPr>
+            <a:spLocks noGrp="1"/>
+          </p:cNvSpPr>
+          <p:nvPr>
+            <p:ph idx="1"/>
+          </p:nvPr>
+        </p:nvSpPr>
+        <p:spPr/>
+        <p:txBody>
+          <a:bodyPr/>
+          <a:lstStyle/>
           <a:p>
             <a:r>
               <a:rPr lang="en-AU" dirty="0" smtClean="0">
@@ -5963,7 +6578,7 @@
                   </a:schemeClr>
                 </a:solidFill>
               </a:rPr>
-              <a:t>Can express actions</a:t>
+              <a:t>Removes more noise</a:t>
             </a:r>
           </a:p>
           <a:p>
@@ -5975,9 +6590,132 @@
                   </a:schemeClr>
                 </a:solidFill>
               </a:rPr>
-              <a:t>Forms documentation</a:t>
-            </a:r>
-          </a:p>
+              <a:t>VERY powerful / expressive</a:t>
+            </a:r>
+          </a:p>
+          <a:p>
+            <a:endParaRPr lang="en-AU" dirty="0">
+              <a:solidFill>
+                <a:schemeClr val="accent3">
+                  <a:lumMod val="50000"/>
+                </a:schemeClr>
+              </a:solidFill>
+            </a:endParaRPr>
+          </a:p>
+          <a:p>
+            <a:r>
+              <a:rPr lang="en-AU" dirty="0" smtClean="0">
+                <a:solidFill>
+                  <a:srgbClr val="C00000"/>
+                </a:solidFill>
+              </a:rPr>
+              <a:t>Still some repetition</a:t>
+            </a:r>
+            <a:endParaRPr lang="en-AU" dirty="0">
+              <a:solidFill>
+                <a:srgbClr val="C00000"/>
+              </a:solidFill>
+            </a:endParaRPr>
+          </a:p>
+        </p:txBody>
+      </p:sp>
+      <p:sp>
+        <p:nvSpPr>
+          <p:cNvPr id="3" name="Slide Number Placeholder 2"/>
+          <p:cNvSpPr>
+            <a:spLocks noGrp="1"/>
+          </p:cNvSpPr>
+          <p:nvPr>
+            <p:ph type="sldNum" sz="quarter" idx="12"/>
+          </p:nvPr>
+        </p:nvSpPr>
+        <p:spPr/>
+        <p:txBody>
+          <a:bodyPr/>
+          <a:lstStyle/>
+          <a:p>
+            <a:fld id="{60774F4A-1F38-48E5-8B8A-6E300AFFF9D4}" type="slidenum">
+              <a:rPr lang="en-AU" smtClean="0"/>
+              <a:t>7</a:t>
+            </a:fld>
+            <a:endParaRPr lang="en-AU"/>
+          </a:p>
+        </p:txBody>
+      </p:sp>
+      <p:sp>
+        <p:nvSpPr>
+          <p:cNvPr id="4" name="Title 3"/>
+          <p:cNvSpPr>
+            <a:spLocks noGrp="1"/>
+          </p:cNvSpPr>
+          <p:nvPr>
+            <p:ph type="title"/>
+          </p:nvPr>
+        </p:nvSpPr>
+        <p:spPr/>
+        <p:txBody>
+          <a:bodyPr/>
+          <a:lstStyle/>
+          <a:p>
+            <a:r>
+              <a:rPr lang="en-AU" dirty="0" smtClean="0"/>
+              <a:t>Building lists of builders</a:t>
+            </a:r>
+            <a:endParaRPr lang="en-AU" dirty="0"/>
+          </a:p>
+        </p:txBody>
+      </p:sp>
+    </p:spTree>
+    <p:extLst>
+      <p:ext uri="{BB962C8B-B14F-4D97-AF65-F5344CB8AC3E}">
+        <p14:creationId xmlns:p14="http://schemas.microsoft.com/office/powerpoint/2010/main" val="3054896192"/>
+      </p:ext>
+    </p:extLst>
+  </p:cSld>
+  <p:clrMapOvr>
+    <a:masterClrMapping/>
+  </p:clrMapOvr>
+  <p:timing>
+    <p:tnLst>
+      <p:par>
+        <p:cTn id="1" dur="indefinite" restart="never" nodeType="tmRoot"/>
+      </p:par>
+    </p:tnLst>
+  </p:timing>
+</p:sld>
+</file>
+
+<file path=ppt/slides/slide8.xml><?xml version="1.0" encoding="utf-8"?>
+<p:sld xmlns:a="http://schemas.openxmlformats.org/drawingml/2006/main" xmlns:r="http://schemas.openxmlformats.org/officeDocument/2006/relationships" xmlns:p="http://schemas.openxmlformats.org/presentationml/2006/main">
+  <p:cSld>
+    <p:spTree>
+      <p:nvGrpSpPr>
+        <p:cNvPr id="1" name=""/>
+        <p:cNvGrpSpPr/>
+        <p:nvPr/>
+      </p:nvGrpSpPr>
+      <p:grpSpPr>
+        <a:xfrm>
+          <a:off x="0" y="0"/>
+          <a:ext cx="0" cy="0"/>
+          <a:chOff x="0" y="0"/>
+          <a:chExt cx="0" cy="0"/>
+        </a:xfrm>
+      </p:grpSpPr>
+      <p:sp>
+        <p:nvSpPr>
+          <p:cNvPr id="2" name="Content Placeholder 1"/>
+          <p:cNvSpPr>
+            <a:spLocks noGrp="1"/>
+          </p:cNvSpPr>
+          <p:nvPr>
+            <p:ph idx="1"/>
+          </p:nvPr>
+        </p:nvSpPr>
+        <p:spPr/>
+        <p:txBody>
+          <a:bodyPr/>
+          <a:lstStyle/>
           <a:p>
             <a:r>
               <a:rPr lang="en-AU" dirty="0" smtClean="0">
@@ -5987,11 +6725,39 @@
                   </a:schemeClr>
                 </a:solidFill>
               </a:rPr>
-              <a:t>Reduced noise</a:t>
-            </a:r>
-          </a:p>
-          <a:p>
-            <a:endParaRPr lang="en-AU" dirty="0"/>
+              <a:t>Terseness of Object Mother</a:t>
+            </a:r>
+          </a:p>
+          <a:p>
+            <a:r>
+              <a:rPr lang="en-AU" dirty="0" smtClean="0">
+                <a:solidFill>
+                  <a:schemeClr val="accent3">
+                    <a:lumMod val="50000"/>
+                  </a:schemeClr>
+                </a:solidFill>
+              </a:rPr>
+              <a:t>Flexibility and maintainability of Test Data Builder</a:t>
+            </a:r>
+          </a:p>
+          <a:p>
+            <a:r>
+              <a:rPr lang="en-AU" dirty="0" smtClean="0">
+                <a:solidFill>
+                  <a:schemeClr val="accent3">
+                    <a:lumMod val="50000"/>
+                  </a:schemeClr>
+                </a:solidFill>
+              </a:rPr>
+              <a:t>No more repetition!</a:t>
+            </a:r>
+            <a:endParaRPr lang="en-AU" dirty="0">
+              <a:solidFill>
+                <a:schemeClr val="accent3">
+                  <a:lumMod val="50000"/>
+                </a:schemeClr>
+              </a:solidFill>
+            </a:endParaRPr>
           </a:p>
         </p:txBody>
       </p:sp>
@@ -6012,7 +6778,7 @@
           <a:p>
             <a:fld id="{60774F4A-1F38-48E5-8B8A-6E300AFFF9D4}" type="slidenum">
               <a:rPr lang="en-AU" smtClean="0"/>
-              <a:t>6</a:t>
+              <a:t>8</a:t>
             </a:fld>
             <a:endParaRPr lang="en-AU"/>
           </a:p>
@@ -6035,7 +6801,7 @@
           <a:p>
             <a:r>
               <a:rPr lang="en-AU" dirty="0" smtClean="0"/>
-              <a:t>Test Data Builder Pattern to the rescue!</a:t>
+              <a:t>Adding me back some Object Mother!!</a:t>
             </a:r>
             <a:endParaRPr lang="en-AU" dirty="0"/>
           </a:p>
@@ -6044,13 +6810,262 @@
     </p:spTree>
     <p:extLst>
       <p:ext uri="{BB962C8B-B14F-4D97-AF65-F5344CB8AC3E}">
-        <p14:creationId xmlns:p14="http://schemas.microsoft.com/office/powerpoint/2010/main" val="688008354"/>
+        <p14:creationId xmlns:p14="http://schemas.microsoft.com/office/powerpoint/2010/main" val="3922422205"/>
       </p:ext>
     </p:extLst>
   </p:cSld>
   <p:clrMapOvr>
     <a:masterClrMapping/>
   </p:clrMapOvr>
+  <p:timing>
+    <p:tnLst>
+      <p:par>
+        <p:cTn id="1" dur="indefinite" restart="never" nodeType="tmRoot"/>
+      </p:par>
+    </p:tnLst>
+  </p:timing>
+</p:sld>
+</file>
+
+<file path=ppt/slides/slide9.xml><?xml version="1.0" encoding="utf-8"?>
+<p:sld xmlns:a="http://schemas.openxmlformats.org/drawingml/2006/main" xmlns:r="http://schemas.openxmlformats.org/officeDocument/2006/relationships" xmlns:p="http://schemas.openxmlformats.org/presentationml/2006/main">
+  <p:cSld>
+    <p:spTree>
+      <p:nvGrpSpPr>
+        <p:cNvPr id="1" name=""/>
+        <p:cNvGrpSpPr/>
+        <p:nvPr/>
+      </p:nvGrpSpPr>
+      <p:grpSpPr>
+        <a:xfrm>
+          <a:off x="0" y="0"/>
+          <a:ext cx="0" cy="0"/>
+          <a:chOff x="0" y="0"/>
+          <a:chExt cx="0" cy="0"/>
+        </a:xfrm>
+      </p:grpSpPr>
+      <p:pic>
+        <p:nvPicPr>
+          <p:cNvPr id="7" name="Picture 6"/>
+          <p:cNvPicPr>
+            <a:picLocks noChangeAspect="1"/>
+          </p:cNvPicPr>
+          <p:nvPr/>
+        </p:nvPicPr>
+        <p:blipFill>
+          <a:blip r:embed="rId2"/>
+          <a:stretch>
+            <a:fillRect/>
+          </a:stretch>
+        </p:blipFill>
+        <p:spPr>
+          <a:xfrm>
+            <a:off x="1181100" y="1876425"/>
+            <a:ext cx="9829800" cy="3105150"/>
+          </a:xfrm>
+          <a:prstGeom prst="rect">
+            <a:avLst/>
+          </a:prstGeom>
+        </p:spPr>
+      </p:pic>
+      <p:sp>
+        <p:nvSpPr>
+          <p:cNvPr id="3" name="Slide Number Placeholder 2"/>
+          <p:cNvSpPr>
+            <a:spLocks noGrp="1"/>
+          </p:cNvSpPr>
+          <p:nvPr>
+            <p:ph type="sldNum" sz="quarter" idx="12"/>
+          </p:nvPr>
+        </p:nvSpPr>
+        <p:spPr/>
+        <p:txBody>
+          <a:bodyPr/>
+          <a:lstStyle/>
+          <a:p>
+            <a:fld id="{60774F4A-1F38-48E5-8B8A-6E300AFFF9D4}" type="slidenum">
+              <a:rPr lang="en-AU" smtClean="0"/>
+              <a:t>9</a:t>
+            </a:fld>
+            <a:endParaRPr lang="en-AU"/>
+          </a:p>
+        </p:txBody>
+      </p:sp>
+      <p:sp>
+        <p:nvSpPr>
+          <p:cNvPr id="4" name="Title 3"/>
+          <p:cNvSpPr>
+            <a:spLocks noGrp="1"/>
+          </p:cNvSpPr>
+          <p:nvPr>
+            <p:ph type="title"/>
+          </p:nvPr>
+        </p:nvSpPr>
+        <p:spPr/>
+        <p:txBody>
+          <a:bodyPr/>
+          <a:lstStyle/>
+          <a:p>
+            <a:r>
+              <a:rPr lang="en-AU" dirty="0" smtClean="0"/>
+              <a:t>Simple unit test comparison</a:t>
+            </a:r>
+            <a:endParaRPr lang="en-AU" dirty="0"/>
+          </a:p>
+        </p:txBody>
+      </p:sp>
+      <p:pic>
+        <p:nvPicPr>
+          <p:cNvPr id="5" name="Picture 4"/>
+          <p:cNvPicPr>
+            <a:picLocks noChangeAspect="1"/>
+          </p:cNvPicPr>
+          <p:nvPr/>
+        </p:nvPicPr>
+        <p:blipFill>
+          <a:blip r:embed="rId3"/>
+          <a:stretch>
+            <a:fillRect/>
+          </a:stretch>
+        </p:blipFill>
+        <p:spPr>
+          <a:xfrm>
+            <a:off x="1199456" y="1916832"/>
+            <a:ext cx="9839325" cy="2000250"/>
+          </a:xfrm>
+          <a:prstGeom prst="rect">
+            <a:avLst/>
+          </a:prstGeom>
+        </p:spPr>
+      </p:pic>
+    </p:spTree>
+    <p:extLst>
+      <p:ext uri="{BB962C8B-B14F-4D97-AF65-F5344CB8AC3E}">
+        <p14:creationId xmlns:p14="http://schemas.microsoft.com/office/powerpoint/2010/main" val="3192539182"/>
+      </p:ext>
+    </p:extLst>
+  </p:cSld>
+  <p:clrMapOvr>
+    <a:masterClrMapping/>
+  </p:clrMapOvr>
+  <p:timing>
+    <p:tnLst>
+      <p:par>
+        <p:cTn id="1" dur="indefinite" restart="never" nodeType="tmRoot">
+          <p:childTnLst>
+            <p:seq concurrent="1" nextAc="seek">
+              <p:cTn id="2" dur="indefinite" nodeType="mainSeq">
+                <p:childTnLst>
+                  <p:par>
+                    <p:cTn id="3" fill="hold">
+                      <p:stCondLst>
+                        <p:cond delay="indefinite"/>
+                      </p:stCondLst>
+                      <p:childTnLst>
+                        <p:par>
+                          <p:cTn id="4" fill="hold">
+                            <p:stCondLst>
+                              <p:cond delay="0"/>
+                            </p:stCondLst>
+                            <p:childTnLst>
+                              <p:par>
+                                <p:cTn id="5" presetID="10" presetClass="exit" presetSubtype="0" fill="hold" nodeType="clickEffect">
+                                  <p:stCondLst>
+                                    <p:cond delay="0"/>
+                                  </p:stCondLst>
+                                  <p:childTnLst>
+                                    <p:animEffect transition="out" filter="fade">
+                                      <p:cBhvr>
+                                        <p:cTn id="6" dur="500"/>
+                                        <p:tgtEl>
+                                          <p:spTgt spid="5"/>
+                                        </p:tgtEl>
+                                      </p:cBhvr>
+                                    </p:animEffect>
+                                    <p:set>
+                                      <p:cBhvr>
+                                        <p:cTn id="7" dur="1" fill="hold">
+                                          <p:stCondLst>
+                                            <p:cond delay="499"/>
+                                          </p:stCondLst>
+                                        </p:cTn>
+                                        <p:tgtEl>
+                                          <p:spTgt spid="5"/>
+                                        </p:tgtEl>
+                                        <p:attrNameLst>
+                                          <p:attrName>style.visibility</p:attrName>
+                                        </p:attrNameLst>
+                                      </p:cBhvr>
+                                      <p:to>
+                                        <p:strVal val="hidden"/>
+                                      </p:to>
+                                    </p:set>
+                                  </p:childTnLst>
+                                </p:cTn>
+                              </p:par>
+                              <p:par>
+                                <p:cTn id="8" presetID="10" presetClass="entr" presetSubtype="0" fill="hold" nodeType="withEffect">
+                                  <p:stCondLst>
+                                    <p:cond delay="0"/>
+                                  </p:stCondLst>
+                                  <p:childTnLst>
+                                    <p:set>
+                                      <p:cBhvr>
+                                        <p:cTn id="9" dur="1" fill="hold">
+                                          <p:stCondLst>
+                                            <p:cond delay="0"/>
+                                          </p:stCondLst>
+                                        </p:cTn>
+                                        <p:tgtEl>
+                                          <p:spTgt spid="7"/>
+                                        </p:tgtEl>
+                                        <p:attrNameLst>
+                                          <p:attrName>style.visibility</p:attrName>
+                                        </p:attrNameLst>
+                                      </p:cBhvr>
+                                      <p:to>
+                                        <p:strVal val="visible"/>
+                                      </p:to>
+                                    </p:set>
+                                    <p:animEffect transition="in" filter="fade">
+                                      <p:cBhvr>
+                                        <p:cTn id="10" dur="500"/>
+                                        <p:tgtEl>
+                                          <p:spTgt spid="7"/>
+                                        </p:tgtEl>
+                                      </p:cBhvr>
+                                    </p:animEffect>
+                                  </p:childTnLst>
+                                </p:cTn>
+                              </p:par>
+                            </p:childTnLst>
+                          </p:cTn>
+                        </p:par>
+                      </p:childTnLst>
+                    </p:cTn>
+                  </p:par>
+                </p:childTnLst>
+              </p:cTn>
+              <p:prevCondLst>
+                <p:cond evt="onPrev" delay="0">
+                  <p:tgtEl>
+                    <p:sldTgt/>
+                  </p:tgtEl>
+                </p:cond>
+              </p:prevCondLst>
+              <p:nextCondLst>
+                <p:cond evt="onNext" delay="0">
+                  <p:tgtEl>
+                    <p:sldTgt/>
+                  </p:tgtEl>
+                </p:cond>
+              </p:nextCondLst>
+            </p:seq>
+          </p:childTnLst>
+        </p:cTn>
+      </p:par>
+    </p:tnLst>
+  </p:timing>
 </p:sld>
 </file>
 
@@ -7071,12 +8086,12 @@
 <ds:datastoreItem xmlns:ds="http://schemas.openxmlformats.org/officeDocument/2006/customXml" ds:itemID="{A1799C11-A99F-41A4-B4EE-4CEC9408E056}">
   <ds:schemaRefs>
     <ds:schemaRef ds:uri="http://purl.org/dc/dcmitype/"/>
-    <ds:schemaRef ds:uri="http://schemas.microsoft.com/office/2006/documentManagement/types"/>
     <ds:schemaRef ds:uri="http://schemas.microsoft.com/office/2006/metadata/properties"/>
     <ds:schemaRef ds:uri="http://www.w3.org/XML/1998/namespace"/>
+    <ds:schemaRef ds:uri="http://purl.org/dc/elements/1.1/"/>
+    <ds:schemaRef ds:uri="http://schemas.microsoft.com/office/2006/documentManagement/types"/>
+    <ds:schemaRef ds:uri="http://schemas.microsoft.com/office/infopath/2007/PartnerControls"/>
     <ds:schemaRef ds:uri="http://schemas.openxmlformats.org/package/2006/metadata/core-properties"/>
-    <ds:schemaRef ds:uri="http://purl.org/dc/elements/1.1/"/>
-    <ds:schemaRef ds:uri="http://schemas.microsoft.com/office/infopath/2007/PartnerControls"/>
     <ds:schemaRef ds:uri="http://purl.org/dc/terms/"/>
   </ds:schemaRefs>
 </ds:datastoreItem>

--- a/Presentation.pptx
+++ b/Presentation.pptx
@@ -235,7 +235,7 @@
           <a:p>
             <a:fld id="{1632A14B-B8F5-4FA5-863C-C39719B09344}" type="datetimeFigureOut">
               <a:rPr lang="en-AU" smtClean="0"/>
-              <a:t>3/07/2013</a:t>
+              <a:t>4/07/2013</a:t>
             </a:fld>
             <a:endParaRPr lang="en-AU"/>
           </a:p>
@@ -400,7 +400,7 @@
           <a:p>
             <a:fld id="{BB98A6DB-BBF7-485A-89D2-797CD7FBFC92}" type="datetimeFigureOut">
               <a:rPr lang="en-AU" smtClean="0"/>
-              <a:t>3/07/2013</a:t>
+              <a:t>4/07/2013</a:t>
             </a:fld>
             <a:endParaRPr lang="en-AU"/>
           </a:p>
@@ -876,7 +876,7 @@
           <a:p>
             <a:fld id="{16B6A002-3457-42CD-AF16-22A2F96036BD}" type="datetime1">
               <a:rPr lang="en-AU" smtClean="0"/>
-              <a:t>3/07/2013</a:t>
+              <a:t>4/07/2013</a:t>
             </a:fld>
             <a:endParaRPr lang="en-AU" dirty="0"/>
           </a:p>
@@ -1035,7 +1035,7 @@
           <a:p>
             <a:fld id="{44DFCBFA-B107-48BB-966D-A2F565DED1B6}" type="datetime1">
               <a:rPr lang="en-AU" smtClean="0"/>
-              <a:t>3/07/2013</a:t>
+              <a:t>4/07/2013</a:t>
             </a:fld>
             <a:endParaRPr lang="en-AU"/>
           </a:p>
@@ -1235,7 +1235,7 @@
           <a:p>
             <a:fld id="{50A7A702-4E87-4A1F-A23B-DF2E663B53F2}" type="datetime1">
               <a:rPr lang="en-AU" smtClean="0"/>
-              <a:t>3/07/2013</a:t>
+              <a:t>4/07/2013</a:t>
             </a:fld>
             <a:endParaRPr lang="en-AU"/>
           </a:p>
@@ -1416,7 +1416,7 @@
           <a:p>
             <a:fld id="{5A4ECBF8-086F-4F3D-9C2A-F599A201D092}" type="datetime1">
               <a:rPr lang="en-AU" smtClean="0"/>
-              <a:t>3/07/2013</a:t>
+              <a:t>4/07/2013</a:t>
             </a:fld>
             <a:endParaRPr lang="en-AU"/>
           </a:p>
@@ -1561,7 +1561,7 @@
           <a:p>
             <a:fld id="{4E6BC696-75D3-46EF-9774-F3A353FB72EF}" type="datetime1">
               <a:rPr lang="en-AU" smtClean="0"/>
-              <a:t>3/07/2013</a:t>
+              <a:t>4/07/2013</a:t>
             </a:fld>
             <a:endParaRPr lang="en-AU"/>
           </a:p>
@@ -2129,7 +2129,7 @@
           <a:p>
             <a:fld id="{54DF1F29-81D3-4B72-BBA3-EDCBBC0599EB}" type="datetime1">
               <a:rPr lang="en-AU" smtClean="0"/>
-              <a:t>3/07/2013</a:t>
+              <a:t>4/07/2013</a:t>
             </a:fld>
             <a:endParaRPr lang="en-AU" dirty="0"/>
           </a:p>
@@ -2359,7 +2359,7 @@
           <a:p>
             <a:fld id="{A7DF45EB-4FF1-4484-91E5-54C8E222FB57}" type="datetime1">
               <a:rPr lang="en-AU" smtClean="0"/>
-              <a:t>3/07/2013</a:t>
+              <a:t>4/07/2013</a:t>
             </a:fld>
             <a:endParaRPr lang="en-AU"/>
           </a:p>
@@ -2671,7 +2671,7 @@
           <a:p>
             <a:fld id="{93183B70-7608-4C4C-8079-D0207971FDA6}" type="datetime1">
               <a:rPr lang="en-AU" smtClean="0"/>
-              <a:t>3/07/2013</a:t>
+              <a:t>4/07/2013</a:t>
             </a:fld>
             <a:endParaRPr lang="en-AU"/>
           </a:p>
@@ -3125,7 +3125,7 @@
           <a:p>
             <a:fld id="{32F116C7-7C3B-4353-811A-2389BF29DAEF}" type="datetime1">
               <a:rPr lang="en-AU" smtClean="0"/>
-              <a:t>3/07/2013</a:t>
+              <a:t>4/07/2013</a:t>
             </a:fld>
             <a:endParaRPr lang="en-AU"/>
           </a:p>
@@ -3237,7 +3237,7 @@
           <a:p>
             <a:fld id="{5A4ECBF8-086F-4F3D-9C2A-F599A201D092}" type="datetime1">
               <a:rPr lang="en-AU" smtClean="0"/>
-              <a:t>3/07/2013</a:t>
+              <a:t>4/07/2013</a:t>
             </a:fld>
             <a:endParaRPr lang="en-AU"/>
           </a:p>
@@ -3514,7 +3514,7 @@
           <a:p>
             <a:fld id="{315C4B4C-F5A1-45F7-AD51-C5406E8CAF38}" type="datetime1">
               <a:rPr lang="en-AU" smtClean="0"/>
-              <a:t>3/07/2013</a:t>
+              <a:t>4/07/2013</a:t>
             </a:fld>
             <a:endParaRPr lang="en-AU"/>
           </a:p>
@@ -3829,7 +3829,7 @@
           <a:p>
             <a:fld id="{DECEED01-EF05-4B35-9B58-2E06544D4C27}" type="datetime1">
               <a:rPr lang="en-AU" smtClean="0"/>
-              <a:t>3/07/2013</a:t>
+              <a:t>4/07/2013</a:t>
             </a:fld>
             <a:endParaRPr lang="en-AU"/>
           </a:p>
@@ -3941,7 +3941,7 @@
           <a:p>
             <a:fld id="{5B604487-7FAB-4A22-A4CD-596BD048914A}" type="datetime1">
               <a:rPr lang="en-AU" smtClean="0"/>
-              <a:t>3/07/2013</a:t>
+              <a:t>4/07/2013</a:t>
             </a:fld>
             <a:endParaRPr lang="en-AU"/>
           </a:p>
@@ -4749,7 +4749,7 @@
           <a:p>
             <a:fld id="{5B604487-7FAB-4A22-A4CD-596BD048914A}" type="datetime1">
               <a:rPr lang="en-AU" smtClean="0"/>
-              <a:t>3/07/2013</a:t>
+              <a:t>4/07/2013</a:t>
             </a:fld>
             <a:endParaRPr lang="en-AU"/>
           </a:p>
@@ -5877,6 +5877,7 @@
               <a:rPr lang="en-AU" dirty="0" smtClean="0"/>
               <a:t>Complex</a:t>
             </a:r>
+            <a:endParaRPr lang="en-AU" dirty="0" smtClean="0"/>
           </a:p>
           <a:p>
             <a:r>
@@ -6053,8 +6054,21 @@
                   <a:srgbClr val="C00000"/>
                 </a:solidFill>
               </a:rPr>
-              <a:t>Lack of clarity</a:t>
-            </a:r>
+              <a:t>Lack of </a:t>
+            </a:r>
+            <a:r>
+              <a:rPr lang="en-AU" b="1" dirty="0" smtClean="0">
+                <a:solidFill>
+                  <a:srgbClr val="C00000"/>
+                </a:solidFill>
+              </a:rPr>
+              <a:t>clarity</a:t>
+            </a:r>
+            <a:endParaRPr lang="en-AU" b="1" dirty="0" smtClean="0">
+              <a:solidFill>
+                <a:srgbClr val="C00000"/>
+              </a:solidFill>
+            </a:endParaRPr>
           </a:p>
         </p:txBody>
       </p:sp>
@@ -6371,16 +6385,6 @@
           </a:p>
           <a:p>
             <a:r>
-              <a:rPr lang="en-AU" dirty="0">
-                <a:solidFill>
-                  <a:schemeClr val="accent3">
-                    <a:lumMod val="50000"/>
-                  </a:schemeClr>
-                </a:solidFill>
-              </a:rPr>
-              <a:t>Reduced </a:t>
-            </a:r>
-            <a:r>
               <a:rPr lang="en-AU" dirty="0" smtClean="0">
                 <a:solidFill>
                   <a:schemeClr val="accent3">
@@ -6388,10 +6392,8 @@
                   </a:schemeClr>
                 </a:solidFill>
               </a:rPr>
-              <a:t>noise</a:t>
-            </a:r>
-          </a:p>
-          <a:p>
+              <a:t>Clearer </a:t>
+            </a:r>
             <a:r>
               <a:rPr lang="en-AU" dirty="0" smtClean="0">
                 <a:solidFill>
@@ -6400,7 +6402,7 @@
                   </a:schemeClr>
                 </a:solidFill>
               </a:rPr>
-              <a:t>Clearer intent</a:t>
+              <a:t>intent</a:t>
             </a:r>
             <a:endParaRPr lang="en-AU" dirty="0">
               <a:solidFill>
@@ -6571,15 +6573,32 @@
           <a:lstStyle/>
           <a:p>
             <a:r>
-              <a:rPr lang="en-AU" dirty="0" smtClean="0">
+              <a:rPr lang="en-AU" smtClean="0">
                 <a:solidFill>
                   <a:schemeClr val="accent3">
                     <a:lumMod val="50000"/>
                   </a:schemeClr>
                 </a:solidFill>
               </a:rPr>
-              <a:t>Removes more noise</a:t>
-            </a:r>
+              <a:t>Removes </a:t>
+            </a:r>
+            <a:r>
+              <a:rPr lang="en-AU" smtClean="0">
+                <a:solidFill>
+                  <a:schemeClr val="accent3">
+                    <a:lumMod val="50000"/>
+                  </a:schemeClr>
+                </a:solidFill>
+              </a:rPr>
+              <a:t>the noise</a:t>
+            </a:r>
+            <a:endParaRPr lang="en-AU" dirty="0" smtClean="0">
+              <a:solidFill>
+                <a:schemeClr val="accent3">
+                  <a:lumMod val="50000"/>
+                </a:schemeClr>
+              </a:solidFill>
+            </a:endParaRPr>
           </a:p>
           <a:p>
             <a:r>
@@ -7930,6 +7949,21 @@
 </file>
 
 <file path=customXml/item1.xml><?xml version="1.0" encoding="utf-8"?>
+<p:properties xmlns:p="http://schemas.microsoft.com/office/2006/metadata/properties" xmlns:xsi="http://www.w3.org/2001/XMLSchema-instance" xmlns:pc="http://schemas.microsoft.com/office/infopath/2007/PartnerControls">
+  <documentManagement/>
+</p:properties>
+</file>
+
+<file path=customXml/item2.xml><?xml version="1.0" encoding="utf-8"?>
+<?mso-contentType ?>
+<FormTemplates xmlns="http://schemas.microsoft.com/sharepoint/v3/contenttype/forms">
+  <Display>DocumentLibraryForm</Display>
+  <Edit>DocumentLibraryForm</Edit>
+  <New>DocumentLibraryForm</New>
+</FormTemplates>
+</file>
+
+<file path=customXml/item3.xml><?xml version="1.0" encoding="utf-8"?>
 <ct:contentTypeSchema xmlns:ct="http://schemas.microsoft.com/office/2006/metadata/contentType" xmlns:ma="http://schemas.microsoft.com/office/2006/metadata/properties/metaAttributes" ct:_="" ma:_="" ma:contentTypeName="Document" ma:contentTypeID="0x01010017F4577662BC9B459680E989E26340F8" ma:contentTypeVersion="0" ma:contentTypeDescription="Create a new document." ma:contentTypeScope="" ma:versionID="95f147e19c97aa4289eebe4aae59e797">
   <xsd:schema xmlns:xsd="http://www.w3.org/2001/XMLSchema" xmlns:xs="http://www.w3.org/2001/XMLSchema" xmlns:p="http://schemas.microsoft.com/office/2006/metadata/properties" targetNamespace="http://schemas.microsoft.com/office/2006/metadata/properties" ma:root="true" ma:fieldsID="c64490b4aec6201516c3a874156f37b2">
     <xsd:element name="properties">
@@ -8043,22 +8077,30 @@
 </ct:contentTypeSchema>
 </file>
 
-<file path=customXml/item2.xml><?xml version="1.0" encoding="utf-8"?>
-<?mso-contentType ?>
-<FormTemplates xmlns="http://schemas.microsoft.com/sharepoint/v3/contenttype/forms">
-  <Display>DocumentLibraryForm</Display>
-  <Edit>DocumentLibraryForm</Edit>
-  <New>DocumentLibraryForm</New>
-</FormTemplates>
+<file path=customXml/itemProps1.xml><?xml version="1.0" encoding="utf-8"?>
+<ds:datastoreItem xmlns:ds="http://schemas.openxmlformats.org/officeDocument/2006/customXml" ds:itemID="{A1799C11-A99F-41A4-B4EE-4CEC9408E056}">
+  <ds:schemaRefs>
+    <ds:schemaRef ds:uri="http://purl.org/dc/dcmitype/"/>
+    <ds:schemaRef ds:uri="http://schemas.microsoft.com/office/2006/metadata/properties"/>
+    <ds:schemaRef ds:uri="http://www.w3.org/XML/1998/namespace"/>
+    <ds:schemaRef ds:uri="http://purl.org/dc/elements/1.1/"/>
+    <ds:schemaRef ds:uri="http://schemas.microsoft.com/office/2006/documentManagement/types"/>
+    <ds:schemaRef ds:uri="http://schemas.microsoft.com/office/infopath/2007/PartnerControls"/>
+    <ds:schemaRef ds:uri="http://schemas.openxmlformats.org/package/2006/metadata/core-properties"/>
+    <ds:schemaRef ds:uri="http://purl.org/dc/terms/"/>
+  </ds:schemaRefs>
+</ds:datastoreItem>
 </file>
 
-<file path=customXml/item3.xml><?xml version="1.0" encoding="utf-8"?>
-<p:properties xmlns:p="http://schemas.microsoft.com/office/2006/metadata/properties" xmlns:xsi="http://www.w3.org/2001/XMLSchema-instance" xmlns:pc="http://schemas.microsoft.com/office/infopath/2007/PartnerControls">
-  <documentManagement/>
-</p:properties>
+<file path=customXml/itemProps2.xml><?xml version="1.0" encoding="utf-8"?>
+<ds:datastoreItem xmlns:ds="http://schemas.openxmlformats.org/officeDocument/2006/customXml" ds:itemID="{F42A1EFA-FEA3-48B5-BCD4-5CBF7DE1DEA0}">
+  <ds:schemaRefs>
+    <ds:schemaRef ds:uri="http://schemas.microsoft.com/sharepoint/v3/contenttype/forms"/>
+  </ds:schemaRefs>
+</ds:datastoreItem>
 </file>
 
-<file path=customXml/itemProps1.xml><?xml version="1.0" encoding="utf-8"?>
+<file path=customXml/itemProps3.xml><?xml version="1.0" encoding="utf-8"?>
 <ds:datastoreItem xmlns:ds="http://schemas.openxmlformats.org/officeDocument/2006/customXml" ds:itemID="{7D023B83-B27B-470C-B2FE-40D3BEACF681}">
   <ds:schemaRefs>
     <ds:schemaRef ds:uri="http://schemas.microsoft.com/office/2006/metadata/contentType"/>
@@ -8072,27 +8114,4 @@
     <ds:schemaRef ds:uri="http://schemas.microsoft.com/office/infopath/2007/PartnerControls"/>
   </ds:schemaRefs>
 </ds:datastoreItem>
-</file>
-
-<file path=customXml/itemProps2.xml><?xml version="1.0" encoding="utf-8"?>
-<ds:datastoreItem xmlns:ds="http://schemas.openxmlformats.org/officeDocument/2006/customXml" ds:itemID="{F42A1EFA-FEA3-48B5-BCD4-5CBF7DE1DEA0}">
-  <ds:schemaRefs>
-    <ds:schemaRef ds:uri="http://schemas.microsoft.com/sharepoint/v3/contenttype/forms"/>
-  </ds:schemaRefs>
-</ds:datastoreItem>
-</file>
-
-<file path=customXml/itemProps3.xml><?xml version="1.0" encoding="utf-8"?>
-<ds:datastoreItem xmlns:ds="http://schemas.openxmlformats.org/officeDocument/2006/customXml" ds:itemID="{A1799C11-A99F-41A4-B4EE-4CEC9408E056}">
-  <ds:schemaRefs>
-    <ds:schemaRef ds:uri="http://purl.org/dc/dcmitype/"/>
-    <ds:schemaRef ds:uri="http://schemas.microsoft.com/office/2006/metadata/properties"/>
-    <ds:schemaRef ds:uri="http://www.w3.org/XML/1998/namespace"/>
-    <ds:schemaRef ds:uri="http://purl.org/dc/elements/1.1/"/>
-    <ds:schemaRef ds:uri="http://schemas.microsoft.com/office/2006/documentManagement/types"/>
-    <ds:schemaRef ds:uri="http://schemas.microsoft.com/office/infopath/2007/PartnerControls"/>
-    <ds:schemaRef ds:uri="http://schemas.openxmlformats.org/package/2006/metadata/core-properties"/>
-    <ds:schemaRef ds:uri="http://purl.org/dc/terms/"/>
-  </ds:schemaRefs>
-</ds:datastoreItem>
 </file>